--- a/yamdang/13조 프로젝트.pptx
+++ b/yamdang/13조 프로젝트.pptx
@@ -4,18 +4,22 @@
   <p:sldMasterIdLst>
     <p:sldMasterId id="2147483756" r:id="rId1"/>
   </p:sldMasterIdLst>
+  <p:notesMasterIdLst>
+    <p:notesMasterId r:id="rId14"/>
+  </p:notesMasterIdLst>
   <p:sldIdLst>
     <p:sldId id="256" r:id="rId2"/>
     <p:sldId id="257" r:id="rId3"/>
     <p:sldId id="259" r:id="rId4"/>
     <p:sldId id="260" r:id="rId5"/>
     <p:sldId id="258" r:id="rId6"/>
-    <p:sldId id="261" r:id="rId7"/>
+    <p:sldId id="267" r:id="rId7"/>
     <p:sldId id="262" r:id="rId8"/>
-    <p:sldId id="263" r:id="rId9"/>
-    <p:sldId id="264" r:id="rId10"/>
-    <p:sldId id="265" r:id="rId11"/>
-    <p:sldId id="266" r:id="rId12"/>
+    <p:sldId id="261" r:id="rId9"/>
+    <p:sldId id="263" r:id="rId10"/>
+    <p:sldId id="264" r:id="rId11"/>
+    <p:sldId id="265" r:id="rId12"/>
+    <p:sldId id="266" r:id="rId13"/>
   </p:sldIdLst>
   <p:sldSz cx="9144000" cy="6858000" type="screen4x3"/>
   <p:notesSz cx="6858000" cy="9144000"/>
@@ -114,7 +118,483 @@
       </a:defRPr>
     </a:lvl9pPr>
   </p:defaultTextStyle>
+  <p:extLst>
+    <p:ext uri="{EFAFB233-063F-42B5-8137-9DF3F51BA10A}">
+      <p15:sldGuideLst xmlns:p15="http://schemas.microsoft.com/office/powerpoint/2012/main">
+        <p15:guide id="1" orient="horz" pos="2160">
+          <p15:clr>
+            <a:srgbClr val="A4A3A4"/>
+          </p15:clr>
+        </p15:guide>
+        <p15:guide id="2" pos="2925">
+          <p15:clr>
+            <a:srgbClr val="A4A3A4"/>
+          </p15:clr>
+        </p15:guide>
+      </p15:sldGuideLst>
+    </p:ext>
+  </p:extLst>
 </p:presentation>
+</file>
+
+<file path=ppt/commentAuthors.xml><?xml version="1.0" encoding="utf-8"?>
+<p:cmAuthorLst xmlns:a="http://schemas.openxmlformats.org/drawingml/2006/main" xmlns:r="http://schemas.openxmlformats.org/officeDocument/2006/relationships" xmlns:p="http://schemas.openxmlformats.org/presentationml/2006/main">
+  <p:cmAuthor id="1" name="Registered User" initials="RU" lastIdx="1" clrIdx="0">
+    <p:extLst>
+      <p:ext uri="{19B8F6BF-5375-455C-9EA6-DF929625EA0E}">
+        <p15:presenceInfo xmlns:p15="http://schemas.microsoft.com/office/powerpoint/2012/main" userId="Registered User" providerId="None"/>
+      </p:ext>
+    </p:extLst>
+  </p:cmAuthor>
+</p:cmAuthorLst>
+</file>
+
+<file path=ppt/comments/comment1.xml><?xml version="1.0" encoding="utf-8"?>
+<p:cmLst xmlns:a="http://schemas.openxmlformats.org/drawingml/2006/main" xmlns:r="http://schemas.openxmlformats.org/officeDocument/2006/relationships" xmlns:p="http://schemas.openxmlformats.org/presentationml/2006/main">
+  <p:cm authorId="1" dt="2015-05-16T07:43:13.581" idx="1">
+    <p:pos x="10" y="10"/>
+    <p:text/>
+    <p:extLst>
+      <p:ext uri="{C676402C-5697-4E1C-873F-D02D1690AC5C}">
+        <p15:threadingInfo xmlns:p15="http://schemas.microsoft.com/office/powerpoint/2012/main" timeZoneBias="-540"/>
+      </p:ext>
+    </p:extLst>
+  </p:cm>
+</p:cmLst>
+</file>
+
+<file path=ppt/notesMasters/notesMaster1.xml><?xml version="1.0" encoding="utf-8"?>
+<p:notesMaster xmlns:a="http://schemas.openxmlformats.org/drawingml/2006/main" xmlns:r="http://schemas.openxmlformats.org/officeDocument/2006/relationships" xmlns:p="http://schemas.openxmlformats.org/presentationml/2006/main">
+  <p:cSld>
+    <p:bg>
+      <p:bgRef idx="1001">
+        <a:schemeClr val="bg1"/>
+      </p:bgRef>
+    </p:bg>
+    <p:spTree>
+      <p:nvGrpSpPr>
+        <p:cNvPr id="1" name=""/>
+        <p:cNvGrpSpPr/>
+        <p:nvPr/>
+      </p:nvGrpSpPr>
+      <p:grpSpPr>
+        <a:xfrm>
+          <a:off x="0" y="0"/>
+          <a:ext cx="0" cy="0"/>
+          <a:chOff x="0" y="0"/>
+          <a:chExt cx="0" cy="0"/>
+        </a:xfrm>
+      </p:grpSpPr>
+      <p:sp>
+        <p:nvSpPr>
+          <p:cNvPr id="2" name="머리글 개체 틀 1"/>
+          <p:cNvSpPr>
+            <a:spLocks noGrp="1"/>
+          </p:cNvSpPr>
+          <p:nvPr>
+            <p:ph type="hdr" sz="quarter"/>
+          </p:nvPr>
+        </p:nvSpPr>
+        <p:spPr>
+          <a:xfrm>
+            <a:off x="0" y="0"/>
+            <a:ext cx="2971800" cy="458788"/>
+          </a:xfrm>
+          <a:prstGeom prst="rect">
+            <a:avLst/>
+          </a:prstGeom>
+        </p:spPr>
+        <p:txBody>
+          <a:bodyPr vert="horz" lIns="91440" tIns="45720" rIns="91440" bIns="45720" rtlCol="0"/>
+          <a:lstStyle>
+            <a:lvl1pPr algn="l">
+              <a:defRPr sz="1200"/>
+            </a:lvl1pPr>
+          </a:lstStyle>
+          <a:p>
+            <a:endParaRPr lang="ko-KR" altLang="en-US"/>
+          </a:p>
+        </p:txBody>
+      </p:sp>
+      <p:sp>
+        <p:nvSpPr>
+          <p:cNvPr id="3" name="날짜 개체 틀 2"/>
+          <p:cNvSpPr>
+            <a:spLocks noGrp="1"/>
+          </p:cNvSpPr>
+          <p:nvPr>
+            <p:ph type="dt" idx="1"/>
+          </p:nvPr>
+        </p:nvSpPr>
+        <p:spPr>
+          <a:xfrm>
+            <a:off x="3884613" y="0"/>
+            <a:ext cx="2971800" cy="458788"/>
+          </a:xfrm>
+          <a:prstGeom prst="rect">
+            <a:avLst/>
+          </a:prstGeom>
+        </p:spPr>
+        <p:txBody>
+          <a:bodyPr vert="horz" lIns="91440" tIns="45720" rIns="91440" bIns="45720" rtlCol="0"/>
+          <a:lstStyle>
+            <a:lvl1pPr algn="r">
+              <a:defRPr sz="1200"/>
+            </a:lvl1pPr>
+          </a:lstStyle>
+          <a:p>
+            <a:fld id="{4744A168-AAA1-44B6-8F31-462C22058FDF}" type="datetimeFigureOut">
+              <a:rPr lang="ko-KR" altLang="en-US" smtClean="0"/>
+              <a:t>2015-05-16</a:t>
+            </a:fld>
+            <a:endParaRPr lang="ko-KR" altLang="en-US"/>
+          </a:p>
+        </p:txBody>
+      </p:sp>
+      <p:sp>
+        <p:nvSpPr>
+          <p:cNvPr id="4" name="슬라이드 이미지 개체 틀 3"/>
+          <p:cNvSpPr>
+            <a:spLocks noGrp="1" noRot="1" noChangeAspect="1"/>
+          </p:cNvSpPr>
+          <p:nvPr>
+            <p:ph type="sldImg" idx="2"/>
+          </p:nvPr>
+        </p:nvSpPr>
+        <p:spPr>
+          <a:xfrm>
+            <a:off x="1371600" y="1143000"/>
+            <a:ext cx="4114800" cy="3086100"/>
+          </a:xfrm>
+          <a:prstGeom prst="rect">
+            <a:avLst/>
+          </a:prstGeom>
+          <a:noFill/>
+          <a:ln w="12700">
+            <a:solidFill>
+              <a:prstClr val="black"/>
+            </a:solidFill>
+          </a:ln>
+        </p:spPr>
+        <p:txBody>
+          <a:bodyPr vert="horz" lIns="91440" tIns="45720" rIns="91440" bIns="45720" rtlCol="0" anchor="ctr"/>
+          <a:lstStyle/>
+          <a:p>
+            <a:endParaRPr lang="ko-KR" altLang="en-US"/>
+          </a:p>
+        </p:txBody>
+      </p:sp>
+      <p:sp>
+        <p:nvSpPr>
+          <p:cNvPr id="5" name="슬라이드 노트 개체 틀 4"/>
+          <p:cNvSpPr>
+            <a:spLocks noGrp="1"/>
+          </p:cNvSpPr>
+          <p:nvPr>
+            <p:ph type="body" sz="quarter" idx="3"/>
+          </p:nvPr>
+        </p:nvSpPr>
+        <p:spPr>
+          <a:xfrm>
+            <a:off x="685800" y="4400550"/>
+            <a:ext cx="5486400" cy="3600450"/>
+          </a:xfrm>
+          <a:prstGeom prst="rect">
+            <a:avLst/>
+          </a:prstGeom>
+        </p:spPr>
+        <p:txBody>
+          <a:bodyPr vert="horz" lIns="91440" tIns="45720" rIns="91440" bIns="45720" rtlCol="0"/>
+          <a:lstStyle/>
+          <a:p>
+            <a:pPr lvl="0"/>
+            <a:r>
+              <a:rPr lang="ko-KR" altLang="en-US" smtClean="0"/>
+              <a:t>마스터 텍스트 스타일을 편집합니다</a:t>
+            </a:r>
+          </a:p>
+          <a:p>
+            <a:pPr lvl="1"/>
+            <a:r>
+              <a:rPr lang="ko-KR" altLang="en-US" smtClean="0"/>
+              <a:t>둘째 수준</a:t>
+            </a:r>
+          </a:p>
+          <a:p>
+            <a:pPr lvl="2"/>
+            <a:r>
+              <a:rPr lang="ko-KR" altLang="en-US" smtClean="0"/>
+              <a:t>셋째 수준</a:t>
+            </a:r>
+          </a:p>
+          <a:p>
+            <a:pPr lvl="3"/>
+            <a:r>
+              <a:rPr lang="ko-KR" altLang="en-US" smtClean="0"/>
+              <a:t>넷째 수준</a:t>
+            </a:r>
+          </a:p>
+          <a:p>
+            <a:pPr lvl="4"/>
+            <a:r>
+              <a:rPr lang="ko-KR" altLang="en-US" smtClean="0"/>
+              <a:t>다섯째 수준</a:t>
+            </a:r>
+            <a:endParaRPr lang="ko-KR" altLang="en-US"/>
+          </a:p>
+        </p:txBody>
+      </p:sp>
+      <p:sp>
+        <p:nvSpPr>
+          <p:cNvPr id="6" name="바닥글 개체 틀 5"/>
+          <p:cNvSpPr>
+            <a:spLocks noGrp="1"/>
+          </p:cNvSpPr>
+          <p:nvPr>
+            <p:ph type="ftr" sz="quarter" idx="4"/>
+          </p:nvPr>
+        </p:nvSpPr>
+        <p:spPr>
+          <a:xfrm>
+            <a:off x="0" y="8685213"/>
+            <a:ext cx="2971800" cy="458787"/>
+          </a:xfrm>
+          <a:prstGeom prst="rect">
+            <a:avLst/>
+          </a:prstGeom>
+        </p:spPr>
+        <p:txBody>
+          <a:bodyPr vert="horz" lIns="91440" tIns="45720" rIns="91440" bIns="45720" rtlCol="0" anchor="b"/>
+          <a:lstStyle>
+            <a:lvl1pPr algn="l">
+              <a:defRPr sz="1200"/>
+            </a:lvl1pPr>
+          </a:lstStyle>
+          <a:p>
+            <a:endParaRPr lang="ko-KR" altLang="en-US"/>
+          </a:p>
+        </p:txBody>
+      </p:sp>
+      <p:sp>
+        <p:nvSpPr>
+          <p:cNvPr id="7" name="슬라이드 번호 개체 틀 6"/>
+          <p:cNvSpPr>
+            <a:spLocks noGrp="1"/>
+          </p:cNvSpPr>
+          <p:nvPr>
+            <p:ph type="sldNum" sz="quarter" idx="5"/>
+          </p:nvPr>
+        </p:nvSpPr>
+        <p:spPr>
+          <a:xfrm>
+            <a:off x="3884613" y="8685213"/>
+            <a:ext cx="2971800" cy="458787"/>
+          </a:xfrm>
+          <a:prstGeom prst="rect">
+            <a:avLst/>
+          </a:prstGeom>
+        </p:spPr>
+        <p:txBody>
+          <a:bodyPr vert="horz" lIns="91440" tIns="45720" rIns="91440" bIns="45720" rtlCol="0" anchor="b"/>
+          <a:lstStyle>
+            <a:lvl1pPr algn="r">
+              <a:defRPr sz="1200"/>
+            </a:lvl1pPr>
+          </a:lstStyle>
+          <a:p>
+            <a:fld id="{C6788B50-112A-43D7-9855-E4C3C423AAD1}" type="slidenum">
+              <a:rPr lang="ko-KR" altLang="en-US" smtClean="0"/>
+              <a:t>‹#›</a:t>
+            </a:fld>
+            <a:endParaRPr lang="ko-KR" altLang="en-US"/>
+          </a:p>
+        </p:txBody>
+      </p:sp>
+    </p:spTree>
+    <p:extLst>
+      <p:ext uri="{BB962C8B-B14F-4D97-AF65-F5344CB8AC3E}">
+        <p14:creationId xmlns:p14="http://schemas.microsoft.com/office/powerpoint/2010/main" val="3567419431"/>
+      </p:ext>
+    </p:extLst>
+  </p:cSld>
+  <p:clrMap bg1="lt1" tx1="dk1" bg2="lt2" tx2="dk2" accent1="accent1" accent2="accent2" accent3="accent3" accent4="accent4" accent5="accent5" accent6="accent6" hlink="hlink" folHlink="folHlink"/>
+  <p:notesStyle>
+    <a:lvl1pPr marL="0" algn="l" defTabSz="914400" rtl="0" eaLnBrk="1" latinLnBrk="1" hangingPunct="1">
+      <a:defRPr sz="1200" kern="1200">
+        <a:solidFill>
+          <a:schemeClr val="tx1"/>
+        </a:solidFill>
+        <a:latin typeface="+mn-lt"/>
+        <a:ea typeface="+mn-ea"/>
+        <a:cs typeface="+mn-cs"/>
+      </a:defRPr>
+    </a:lvl1pPr>
+    <a:lvl2pPr marL="457200" algn="l" defTabSz="914400" rtl="0" eaLnBrk="1" latinLnBrk="1" hangingPunct="1">
+      <a:defRPr sz="1200" kern="1200">
+        <a:solidFill>
+          <a:schemeClr val="tx1"/>
+        </a:solidFill>
+        <a:latin typeface="+mn-lt"/>
+        <a:ea typeface="+mn-ea"/>
+        <a:cs typeface="+mn-cs"/>
+      </a:defRPr>
+    </a:lvl2pPr>
+    <a:lvl3pPr marL="914400" algn="l" defTabSz="914400" rtl="0" eaLnBrk="1" latinLnBrk="1" hangingPunct="1">
+      <a:defRPr sz="1200" kern="1200">
+        <a:solidFill>
+          <a:schemeClr val="tx1"/>
+        </a:solidFill>
+        <a:latin typeface="+mn-lt"/>
+        <a:ea typeface="+mn-ea"/>
+        <a:cs typeface="+mn-cs"/>
+      </a:defRPr>
+    </a:lvl3pPr>
+    <a:lvl4pPr marL="1371600" algn="l" defTabSz="914400" rtl="0" eaLnBrk="1" latinLnBrk="1" hangingPunct="1">
+      <a:defRPr sz="1200" kern="1200">
+        <a:solidFill>
+          <a:schemeClr val="tx1"/>
+        </a:solidFill>
+        <a:latin typeface="+mn-lt"/>
+        <a:ea typeface="+mn-ea"/>
+        <a:cs typeface="+mn-cs"/>
+      </a:defRPr>
+    </a:lvl4pPr>
+    <a:lvl5pPr marL="1828800" algn="l" defTabSz="914400" rtl="0" eaLnBrk="1" latinLnBrk="1" hangingPunct="1">
+      <a:defRPr sz="1200" kern="1200">
+        <a:solidFill>
+          <a:schemeClr val="tx1"/>
+        </a:solidFill>
+        <a:latin typeface="+mn-lt"/>
+        <a:ea typeface="+mn-ea"/>
+        <a:cs typeface="+mn-cs"/>
+      </a:defRPr>
+    </a:lvl5pPr>
+    <a:lvl6pPr marL="2286000" algn="l" defTabSz="914400" rtl="0" eaLnBrk="1" latinLnBrk="1" hangingPunct="1">
+      <a:defRPr sz="1200" kern="1200">
+        <a:solidFill>
+          <a:schemeClr val="tx1"/>
+        </a:solidFill>
+        <a:latin typeface="+mn-lt"/>
+        <a:ea typeface="+mn-ea"/>
+        <a:cs typeface="+mn-cs"/>
+      </a:defRPr>
+    </a:lvl6pPr>
+    <a:lvl7pPr marL="2743200" algn="l" defTabSz="914400" rtl="0" eaLnBrk="1" latinLnBrk="1" hangingPunct="1">
+      <a:defRPr sz="1200" kern="1200">
+        <a:solidFill>
+          <a:schemeClr val="tx1"/>
+        </a:solidFill>
+        <a:latin typeface="+mn-lt"/>
+        <a:ea typeface="+mn-ea"/>
+        <a:cs typeface="+mn-cs"/>
+      </a:defRPr>
+    </a:lvl7pPr>
+    <a:lvl8pPr marL="3200400" algn="l" defTabSz="914400" rtl="0" eaLnBrk="1" latinLnBrk="1" hangingPunct="1">
+      <a:defRPr sz="1200" kern="1200">
+        <a:solidFill>
+          <a:schemeClr val="tx1"/>
+        </a:solidFill>
+        <a:latin typeface="+mn-lt"/>
+        <a:ea typeface="+mn-ea"/>
+        <a:cs typeface="+mn-cs"/>
+      </a:defRPr>
+    </a:lvl8pPr>
+    <a:lvl9pPr marL="3657600" algn="l" defTabSz="914400" rtl="0" eaLnBrk="1" latinLnBrk="1" hangingPunct="1">
+      <a:defRPr sz="1200" kern="1200">
+        <a:solidFill>
+          <a:schemeClr val="tx1"/>
+        </a:solidFill>
+        <a:latin typeface="+mn-lt"/>
+        <a:ea typeface="+mn-ea"/>
+        <a:cs typeface="+mn-cs"/>
+      </a:defRPr>
+    </a:lvl9pPr>
+  </p:notesStyle>
+</p:notesMaster>
+</file>
+
+<file path=ppt/notesSlides/notesSlide1.xml><?xml version="1.0" encoding="utf-8"?>
+<p:notes xmlns:a="http://schemas.openxmlformats.org/drawingml/2006/main" xmlns:r="http://schemas.openxmlformats.org/officeDocument/2006/relationships" xmlns:p="http://schemas.openxmlformats.org/presentationml/2006/main">
+  <p:cSld>
+    <p:spTree>
+      <p:nvGrpSpPr>
+        <p:cNvPr id="1" name=""/>
+        <p:cNvGrpSpPr/>
+        <p:nvPr/>
+      </p:nvGrpSpPr>
+      <p:grpSpPr>
+        <a:xfrm>
+          <a:off x="0" y="0"/>
+          <a:ext cx="0" cy="0"/>
+          <a:chOff x="0" y="0"/>
+          <a:chExt cx="0" cy="0"/>
+        </a:xfrm>
+      </p:grpSpPr>
+      <p:sp>
+        <p:nvSpPr>
+          <p:cNvPr id="2" name="슬라이드 이미지 개체 틀 1"/>
+          <p:cNvSpPr>
+            <a:spLocks noGrp="1" noRot="1" noChangeAspect="1"/>
+          </p:cNvSpPr>
+          <p:nvPr>
+            <p:ph type="sldImg"/>
+          </p:nvPr>
+        </p:nvSpPr>
+        <p:spPr/>
+      </p:sp>
+      <p:sp>
+        <p:nvSpPr>
+          <p:cNvPr id="3" name="슬라이드 노트 개체 틀 2"/>
+          <p:cNvSpPr>
+            <a:spLocks noGrp="1"/>
+          </p:cNvSpPr>
+          <p:nvPr>
+            <p:ph type="body" idx="1"/>
+          </p:nvPr>
+        </p:nvSpPr>
+        <p:spPr/>
+        <p:txBody>
+          <a:bodyPr/>
+          <a:lstStyle/>
+          <a:p>
+            <a:endParaRPr lang="ko-KR" altLang="en-US" dirty="0"/>
+          </a:p>
+        </p:txBody>
+      </p:sp>
+      <p:sp>
+        <p:nvSpPr>
+          <p:cNvPr id="4" name="슬라이드 번호 개체 틀 3"/>
+          <p:cNvSpPr>
+            <a:spLocks noGrp="1"/>
+          </p:cNvSpPr>
+          <p:nvPr>
+            <p:ph type="sldNum" sz="quarter" idx="10"/>
+          </p:nvPr>
+        </p:nvSpPr>
+        <p:spPr/>
+        <p:txBody>
+          <a:bodyPr/>
+          <a:lstStyle/>
+          <a:p>
+            <a:fld id="{C6788B50-112A-43D7-9855-E4C3C423AAD1}" type="slidenum">
+              <a:rPr lang="ko-KR" altLang="en-US" smtClean="0"/>
+              <a:t>9</a:t>
+            </a:fld>
+            <a:endParaRPr lang="ko-KR" altLang="en-US"/>
+          </a:p>
+        </p:txBody>
+      </p:sp>
+    </p:spTree>
+    <p:extLst>
+      <p:ext uri="{BB962C8B-B14F-4D97-AF65-F5344CB8AC3E}">
+        <p14:creationId xmlns:p14="http://schemas.microsoft.com/office/powerpoint/2010/main" val="95554864"/>
+      </p:ext>
+    </p:extLst>
+  </p:cSld>
+  <p:clrMapOvr>
+    <a:masterClrMapping/>
+  </p:clrMapOvr>
+</p:notes>
 </file>
 
 <file path=ppt/slideLayouts/slideLayout1.xml><?xml version="1.0" encoding="utf-8"?>
@@ -336,7 +816,7 @@
           <a:p>
             <a:fld id="{9268273F-DC8C-410C-9FE4-4E1029C2C89E}" type="datetimeFigureOut">
               <a:rPr lang="ko-KR" altLang="en-US" smtClean="0"/>
-              <a:t>2015-05-15</a:t>
+              <a:t>2015-05-16</a:t>
             </a:fld>
             <a:endParaRPr lang="ko-KR" altLang="en-US"/>
           </a:p>
@@ -523,7 +1003,7 @@
           <a:p>
             <a:fld id="{9268273F-DC8C-410C-9FE4-4E1029C2C89E}" type="datetimeFigureOut">
               <a:rPr lang="ko-KR" altLang="en-US" smtClean="0"/>
-              <a:t>2015-05-15</a:t>
+              <a:t>2015-05-16</a:t>
             </a:fld>
             <a:endParaRPr lang="ko-KR" altLang="en-US"/>
           </a:p>
@@ -698,7 +1178,7 @@
           <a:p>
             <a:fld id="{9268273F-DC8C-410C-9FE4-4E1029C2C89E}" type="datetimeFigureOut">
               <a:rPr lang="ko-KR" altLang="en-US" smtClean="0"/>
-              <a:t>2015-05-15</a:t>
+              <a:t>2015-05-16</a:t>
             </a:fld>
             <a:endParaRPr lang="ko-KR" altLang="en-US"/>
           </a:p>
@@ -878,7 +1358,7 @@
           <a:p>
             <a:fld id="{9268273F-DC8C-410C-9FE4-4E1029C2C89E}" type="datetimeFigureOut">
               <a:rPr lang="ko-KR" altLang="en-US" smtClean="0"/>
-              <a:t>2015-05-15</a:t>
+              <a:t>2015-05-16</a:t>
             </a:fld>
             <a:endParaRPr lang="ko-KR" altLang="en-US"/>
           </a:p>
@@ -1125,7 +1605,7 @@
           <a:p>
             <a:fld id="{9268273F-DC8C-410C-9FE4-4E1029C2C89E}" type="datetimeFigureOut">
               <a:rPr lang="ko-KR" altLang="en-US" smtClean="0"/>
-              <a:t>2015-05-15</a:t>
+              <a:t>2015-05-16</a:t>
             </a:fld>
             <a:endParaRPr lang="ko-KR" altLang="en-US"/>
           </a:p>
@@ -1599,7 +2079,7 @@
           <a:p>
             <a:fld id="{9268273F-DC8C-410C-9FE4-4E1029C2C89E}" type="datetimeFigureOut">
               <a:rPr lang="ko-KR" altLang="en-US" smtClean="0"/>
-              <a:t>2015-05-15</a:t>
+              <a:t>2015-05-16</a:t>
             </a:fld>
             <a:endParaRPr lang="ko-KR" altLang="en-US"/>
           </a:p>
@@ -2014,7 +2494,7 @@
           <a:p>
             <a:fld id="{9268273F-DC8C-410C-9FE4-4E1029C2C89E}" type="datetimeFigureOut">
               <a:rPr lang="ko-KR" altLang="en-US" smtClean="0"/>
-              <a:t>2015-05-15</a:t>
+              <a:t>2015-05-16</a:t>
             </a:fld>
             <a:endParaRPr lang="ko-KR" altLang="en-US"/>
           </a:p>
@@ -2145,7 +2625,7 @@
           <a:p>
             <a:fld id="{9268273F-DC8C-410C-9FE4-4E1029C2C89E}" type="datetimeFigureOut">
               <a:rPr lang="ko-KR" altLang="en-US" smtClean="0"/>
-              <a:t>2015-05-15</a:t>
+              <a:t>2015-05-16</a:t>
             </a:fld>
             <a:endParaRPr lang="ko-KR" altLang="en-US"/>
           </a:p>
@@ -2240,7 +2720,7 @@
           <a:p>
             <a:fld id="{9268273F-DC8C-410C-9FE4-4E1029C2C89E}" type="datetimeFigureOut">
               <a:rPr lang="ko-KR" altLang="en-US" smtClean="0"/>
-              <a:t>2015-05-15</a:t>
+              <a:t>2015-05-16</a:t>
             </a:fld>
             <a:endParaRPr lang="ko-KR" altLang="en-US"/>
           </a:p>
@@ -2518,7 +2998,7 @@
           <a:p>
             <a:fld id="{9268273F-DC8C-410C-9FE4-4E1029C2C89E}" type="datetimeFigureOut">
               <a:rPr lang="ko-KR" altLang="en-US" smtClean="0"/>
-              <a:t>2015-05-15</a:t>
+              <a:t>2015-05-16</a:t>
             </a:fld>
             <a:endParaRPr lang="ko-KR" altLang="en-US"/>
           </a:p>
@@ -2770,7 +3250,7 @@
           <a:p>
             <a:fld id="{9268273F-DC8C-410C-9FE4-4E1029C2C89E}" type="datetimeFigureOut">
               <a:rPr lang="ko-KR" altLang="en-US" smtClean="0"/>
-              <a:t>2015-05-15</a:t>
+              <a:t>2015-05-16</a:t>
             </a:fld>
             <a:endParaRPr lang="ko-KR" altLang="en-US"/>
           </a:p>
@@ -3142,7 +3622,7 @@
           <a:p>
             <a:fld id="{9268273F-DC8C-410C-9FE4-4E1029C2C89E}" type="datetimeFigureOut">
               <a:rPr lang="ko-KR" altLang="en-US" smtClean="0"/>
-              <a:t>2015-05-15</a:t>
+              <a:t>2015-05-16</a:t>
             </a:fld>
             <a:endParaRPr lang="ko-KR" altLang="en-US"/>
           </a:p>
@@ -4085,8 +4565,8 @@
           <a:lstStyle/>
           <a:p>
             <a:r>
-              <a:rPr lang="ko-KR" altLang="en-US" dirty="0" smtClean="0"/>
-              <a:t>각자 맡은 분야</a:t>
+              <a:rPr lang="en-US" altLang="ko-KR" dirty="0" smtClean="0"/>
+              <a:t>End()</a:t>
             </a:r>
             <a:endParaRPr lang="ko-KR" altLang="en-US" dirty="0"/>
           </a:p>
@@ -4107,81 +4587,7 @@
           <a:bodyPr/>
           <a:lstStyle/>
           <a:p>
-            <a:r>
-              <a:rPr lang="ko-KR" altLang="en-US" dirty="0" smtClean="0"/>
-              <a:t>박현준 </a:t>
-            </a:r>
-            <a:r>
-              <a:rPr lang="en-US" altLang="ko-KR" dirty="0" smtClean="0"/>
-              <a:t>: </a:t>
-            </a:r>
-          </a:p>
-          <a:p>
-            <a:endParaRPr lang="en-US" altLang="ko-KR" dirty="0" smtClean="0"/>
-          </a:p>
-          <a:p>
-            <a:endParaRPr lang="en-US" altLang="ko-KR" dirty="0" smtClean="0"/>
-          </a:p>
-          <a:p>
-            <a:r>
-              <a:rPr lang="ko-KR" altLang="en-US" dirty="0" smtClean="0"/>
-              <a:t>조인수 </a:t>
-            </a:r>
-            <a:r>
-              <a:rPr lang="en-US" altLang="ko-KR" dirty="0" smtClean="0"/>
-              <a:t>: </a:t>
-            </a:r>
-          </a:p>
-          <a:p>
-            <a:pPr>
-              <a:buNone/>
-            </a:pPr>
-            <a:endParaRPr lang="en-US" altLang="ko-KR" dirty="0" smtClean="0"/>
-          </a:p>
-          <a:p>
-            <a:pPr>
-              <a:buNone/>
-            </a:pPr>
-            <a:endParaRPr lang="en-US" altLang="ko-KR" dirty="0" smtClean="0"/>
-          </a:p>
-          <a:p>
-            <a:r>
-              <a:rPr lang="ko-KR" altLang="en-US" dirty="0" smtClean="0"/>
-              <a:t>윤주미 </a:t>
-            </a:r>
-            <a:r>
-              <a:rPr lang="en-US" altLang="ko-KR" dirty="0" smtClean="0"/>
-              <a:t>:  </a:t>
-            </a:r>
-            <a:r>
-              <a:rPr lang="en-US" altLang="ko-KR" sz="2000" dirty="0" smtClean="0"/>
-              <a:t>start </a:t>
-            </a:r>
-            <a:r>
-              <a:rPr lang="ko-KR" altLang="en-US" sz="2000" dirty="0" smtClean="0"/>
-              <a:t>와 </a:t>
-            </a:r>
-            <a:r>
-              <a:rPr lang="en-US" altLang="ko-KR" sz="2000" dirty="0" smtClean="0"/>
-              <a:t>end </a:t>
-            </a:r>
-            <a:r>
-              <a:rPr lang="ko-KR" altLang="en-US" sz="2000" dirty="0" smtClean="0"/>
-              <a:t>함수를 맡았습니다</a:t>
-            </a:r>
-            <a:r>
-              <a:rPr lang="en-US" altLang="ko-KR" sz="2000" dirty="0" smtClean="0"/>
-              <a:t>. </a:t>
-            </a:r>
-            <a:r>
-              <a:rPr lang="ko-KR" altLang="en-US" sz="1000" dirty="0" err="1" smtClean="0"/>
-              <a:t>쩌리쩌리ㅜ</a:t>
-            </a:r>
-            <a:r>
-              <a:rPr lang="ko-KR" altLang="en-US" sz="1000" dirty="0" err="1" smtClean="0"/>
-              <a:t>ㅜ</a:t>
-            </a:r>
-            <a:endParaRPr lang="ko-KR" altLang="en-US" sz="1000" dirty="0"/>
+            <a:endParaRPr lang="ko-KR" altLang="en-US" dirty="0"/>
           </a:p>
         </p:txBody>
       </p:sp>
@@ -4361,6 +4767,328 @@
           <a:lstStyle/>
           <a:p>
             <a:r>
+              <a:rPr lang="ko-KR" altLang="en-US" dirty="0" smtClean="0"/>
+              <a:t>각자 맡은 분야</a:t>
+            </a:r>
+            <a:endParaRPr lang="ko-KR" altLang="en-US" dirty="0"/>
+          </a:p>
+        </p:txBody>
+      </p:sp>
+      <p:sp>
+        <p:nvSpPr>
+          <p:cNvPr id="3" name="내용 개체 틀 2"/>
+          <p:cNvSpPr>
+            <a:spLocks noGrp="1"/>
+          </p:cNvSpPr>
+          <p:nvPr>
+            <p:ph idx="1"/>
+          </p:nvPr>
+        </p:nvSpPr>
+        <p:spPr/>
+        <p:txBody>
+          <a:bodyPr/>
+          <a:lstStyle/>
+          <a:p>
+            <a:r>
+              <a:rPr lang="ko-KR" altLang="en-US" dirty="0" smtClean="0"/>
+              <a:t>박현준 </a:t>
+            </a:r>
+            <a:r>
+              <a:rPr lang="en-US" altLang="ko-KR" dirty="0" smtClean="0"/>
+              <a:t>: </a:t>
+            </a:r>
+            <a:r>
+              <a:rPr lang="ko-KR" altLang="en-US" sz="2000" dirty="0" smtClean="0"/>
+              <a:t>게임구현</a:t>
+            </a:r>
+            <a:r>
+              <a:rPr lang="en-US" altLang="ko-KR" sz="2000" dirty="0" smtClean="0"/>
+              <a:t>(</a:t>
+            </a:r>
+            <a:r>
+              <a:rPr lang="ko-KR" altLang="en-US" sz="2000" dirty="0" smtClean="0"/>
+              <a:t>총알이동</a:t>
+            </a:r>
+            <a:r>
+              <a:rPr lang="en-US" altLang="ko-KR" sz="2000" dirty="0" smtClean="0"/>
+              <a:t>, </a:t>
+            </a:r>
+            <a:r>
+              <a:rPr lang="ko-KR" altLang="en-US" sz="2000" dirty="0" smtClean="0"/>
+              <a:t>캐릭터 이동</a:t>
+            </a:r>
+            <a:r>
+              <a:rPr lang="en-US" altLang="ko-KR" sz="2000" dirty="0" smtClean="0"/>
+              <a:t>)</a:t>
+            </a:r>
+            <a:endParaRPr lang="en-US" altLang="ko-KR" sz="2000" dirty="0" smtClean="0"/>
+          </a:p>
+          <a:p>
+            <a:endParaRPr lang="en-US" altLang="ko-KR" sz="2000" dirty="0" smtClean="0"/>
+          </a:p>
+          <a:p>
+            <a:endParaRPr lang="en-US" altLang="ko-KR" dirty="0" smtClean="0"/>
+          </a:p>
+          <a:p>
+            <a:r>
+              <a:rPr lang="ko-KR" altLang="en-US" dirty="0" smtClean="0"/>
+              <a:t>조인수 </a:t>
+            </a:r>
+            <a:r>
+              <a:rPr lang="en-US" altLang="ko-KR" dirty="0" smtClean="0"/>
+              <a:t>: </a:t>
+            </a:r>
+            <a:r>
+              <a:rPr lang="ko-KR" altLang="en-US" sz="2000" dirty="0"/>
+              <a:t>게임구현</a:t>
+            </a:r>
+            <a:r>
+              <a:rPr lang="en-US" altLang="ko-KR" sz="2000" dirty="0"/>
+              <a:t>(</a:t>
+            </a:r>
+            <a:r>
+              <a:rPr lang="ko-KR" altLang="en-US" sz="2000" dirty="0"/>
+              <a:t>총알이동</a:t>
+            </a:r>
+            <a:r>
+              <a:rPr lang="en-US" altLang="ko-KR" sz="2000" dirty="0"/>
+              <a:t>, </a:t>
+            </a:r>
+            <a:r>
+              <a:rPr lang="ko-KR" altLang="en-US" sz="2000" dirty="0"/>
+              <a:t>캐릭터 이동</a:t>
+            </a:r>
+            <a:r>
+              <a:rPr lang="en-US" altLang="ko-KR" sz="2000" dirty="0" smtClean="0"/>
+              <a:t>)</a:t>
+            </a:r>
+            <a:endParaRPr lang="en-US" altLang="ko-KR" sz="2000" dirty="0" smtClean="0"/>
+          </a:p>
+          <a:p>
+            <a:pPr>
+              <a:buNone/>
+            </a:pPr>
+            <a:endParaRPr lang="en-US" altLang="ko-KR" dirty="0" smtClean="0"/>
+          </a:p>
+          <a:p>
+            <a:pPr>
+              <a:buNone/>
+            </a:pPr>
+            <a:endParaRPr lang="en-US" altLang="ko-KR" dirty="0" smtClean="0"/>
+          </a:p>
+          <a:p>
+            <a:r>
+              <a:rPr lang="ko-KR" altLang="en-US" dirty="0" smtClean="0"/>
+              <a:t>윤주미 </a:t>
+            </a:r>
+            <a:r>
+              <a:rPr lang="en-US" altLang="ko-KR" dirty="0" smtClean="0"/>
+              <a:t>:  </a:t>
+            </a:r>
+            <a:r>
+              <a:rPr lang="en-US" altLang="ko-KR" sz="2000" dirty="0" smtClean="0"/>
+              <a:t>start </a:t>
+            </a:r>
+            <a:r>
+              <a:rPr lang="ko-KR" altLang="en-US" sz="2000" dirty="0" smtClean="0"/>
+              <a:t>와 </a:t>
+            </a:r>
+            <a:r>
+              <a:rPr lang="en-US" altLang="ko-KR" sz="2000" dirty="0" smtClean="0"/>
+              <a:t>end </a:t>
+            </a:r>
+            <a:r>
+              <a:rPr lang="ko-KR" altLang="en-US" sz="2000" dirty="0" smtClean="0"/>
+              <a:t>함수를 맡았습니다</a:t>
+            </a:r>
+            <a:r>
+              <a:rPr lang="en-US" altLang="ko-KR" sz="2000" dirty="0" smtClean="0"/>
+              <a:t>. </a:t>
+            </a:r>
+            <a:r>
+              <a:rPr lang="ko-KR" altLang="en-US" sz="2000" dirty="0" err="1" smtClean="0"/>
+              <a:t>쩌리쩌리ㅜㅜ</a:t>
+            </a:r>
+            <a:endParaRPr lang="ko-KR" altLang="en-US" sz="2000" dirty="0"/>
+          </a:p>
+        </p:txBody>
+      </p:sp>
+    </p:spTree>
+  </p:cSld>
+  <p:clrMapOvr>
+    <a:masterClrMapping/>
+  </p:clrMapOvr>
+  <p:timing>
+    <p:tnLst>
+      <p:par>
+        <p:cTn id="1" dur="indefinite" restart="never" nodeType="tmRoot">
+          <p:childTnLst>
+            <p:seq concurrent="1" nextAc="seek">
+              <p:cTn id="2" dur="indefinite" nodeType="mainSeq">
+                <p:childTnLst>
+                  <p:par>
+                    <p:cTn id="3" fill="hold">
+                      <p:stCondLst>
+                        <p:cond delay="indefinite"/>
+                      </p:stCondLst>
+                      <p:childTnLst>
+                        <p:par>
+                          <p:cTn id="4" fill="hold">
+                            <p:stCondLst>
+                              <p:cond delay="0"/>
+                            </p:stCondLst>
+                            <p:childTnLst>
+                              <p:par>
+                                <p:cTn id="5" presetID="40" presetClass="entr" presetSubtype="0" fill="hold" grpId="0" nodeType="clickEffect">
+                                  <p:stCondLst>
+                                    <p:cond delay="0"/>
+                                  </p:stCondLst>
+                                  <p:iterate type="lt">
+                                    <p:tmPct val="10000"/>
+                                  </p:iterate>
+                                  <p:childTnLst>
+                                    <p:set>
+                                      <p:cBhvr>
+                                        <p:cTn id="6" dur="1" fill="hold">
+                                          <p:stCondLst>
+                                            <p:cond delay="0"/>
+                                          </p:stCondLst>
+                                        </p:cTn>
+                                        <p:tgtEl>
+                                          <p:spTgt spid="2"/>
+                                        </p:tgtEl>
+                                        <p:attrNameLst>
+                                          <p:attrName>style.visibility</p:attrName>
+                                        </p:attrNameLst>
+                                      </p:cBhvr>
+                                      <p:to>
+                                        <p:strVal val="visible"/>
+                                      </p:to>
+                                    </p:set>
+                                    <p:animEffect transition="in" filter="fade">
+                                      <p:cBhvr>
+                                        <p:cTn id="7" dur="500"/>
+                                        <p:tgtEl>
+                                          <p:spTgt spid="2"/>
+                                        </p:tgtEl>
+                                      </p:cBhvr>
+                                    </p:animEffect>
+                                    <p:anim calcmode="lin" valueType="num">
+                                      <p:cBhvr>
+                                        <p:cTn id="8" dur="500" fill="hold"/>
+                                        <p:tgtEl>
+                                          <p:spTgt spid="2"/>
+                                        </p:tgtEl>
+                                        <p:attrNameLst>
+                                          <p:attrName>ppt_x</p:attrName>
+                                        </p:attrNameLst>
+                                      </p:cBhvr>
+                                      <p:tavLst>
+                                        <p:tav tm="0">
+                                          <p:val>
+                                            <p:strVal val="#ppt_x-.1"/>
+                                          </p:val>
+                                        </p:tav>
+                                        <p:tav tm="100000">
+                                          <p:val>
+                                            <p:strVal val="#ppt_x"/>
+                                          </p:val>
+                                        </p:tav>
+                                      </p:tavLst>
+                                    </p:anim>
+                                    <p:anim calcmode="lin" valueType="num">
+                                      <p:cBhvr>
+                                        <p:cTn id="9" dur="500" fill="hold"/>
+                                        <p:tgtEl>
+                                          <p:spTgt spid="2"/>
+                                        </p:tgtEl>
+                                        <p:attrNameLst>
+                                          <p:attrName>ppt_y</p:attrName>
+                                        </p:attrNameLst>
+                                      </p:cBhvr>
+                                      <p:tavLst>
+                                        <p:tav tm="0">
+                                          <p:val>
+                                            <p:strVal val="#ppt_y"/>
+                                          </p:val>
+                                        </p:tav>
+                                        <p:tav tm="100000">
+                                          <p:val>
+                                            <p:strVal val="#ppt_y"/>
+                                          </p:val>
+                                        </p:tav>
+                                      </p:tavLst>
+                                    </p:anim>
+                                  </p:childTnLst>
+                                </p:cTn>
+                              </p:par>
+                            </p:childTnLst>
+                          </p:cTn>
+                        </p:par>
+                      </p:childTnLst>
+                    </p:cTn>
+                  </p:par>
+                </p:childTnLst>
+              </p:cTn>
+              <p:prevCondLst>
+                <p:cond evt="onPrev" delay="0">
+                  <p:tgtEl>
+                    <p:sldTgt/>
+                  </p:tgtEl>
+                </p:cond>
+              </p:prevCondLst>
+              <p:nextCondLst>
+                <p:cond evt="onNext" delay="0">
+                  <p:tgtEl>
+                    <p:sldTgt/>
+                  </p:tgtEl>
+                </p:cond>
+              </p:nextCondLst>
+            </p:seq>
+          </p:childTnLst>
+        </p:cTn>
+      </p:par>
+    </p:tnLst>
+    <p:bldLst>
+      <p:bldP spid="2" grpId="0"/>
+    </p:bldLst>
+  </p:timing>
+</p:sld>
+</file>
+
+<file path=ppt/slides/slide12.xml><?xml version="1.0" encoding="utf-8"?>
+<p:sld xmlns:a="http://schemas.openxmlformats.org/drawingml/2006/main" xmlns:r="http://schemas.openxmlformats.org/officeDocument/2006/relationships" xmlns:p="http://schemas.openxmlformats.org/presentationml/2006/main">
+  <p:cSld>
+    <p:spTree>
+      <p:nvGrpSpPr>
+        <p:cNvPr id="1" name=""/>
+        <p:cNvGrpSpPr/>
+        <p:nvPr/>
+      </p:nvGrpSpPr>
+      <p:grpSpPr>
+        <a:xfrm>
+          <a:off x="0" y="0"/>
+          <a:ext cx="0" cy="0"/>
+          <a:chOff x="0" y="0"/>
+          <a:chExt cx="0" cy="0"/>
+        </a:xfrm>
+      </p:grpSpPr>
+      <p:sp>
+        <p:nvSpPr>
+          <p:cNvPr id="2" name="제목 1"/>
+          <p:cNvSpPr>
+            <a:spLocks noGrp="1"/>
+          </p:cNvSpPr>
+          <p:nvPr>
+            <p:ph type="title"/>
+          </p:nvPr>
+        </p:nvSpPr>
+        <p:spPr/>
+        <p:txBody>
+          <a:bodyPr/>
+          <a:lstStyle/>
+          <a:p>
+            <a:r>
               <a:rPr lang="ko-KR" altLang="en-US" dirty="0" err="1" smtClean="0"/>
               <a:t>느낀점</a:t>
             </a:r>
@@ -4393,6 +5121,111 @@
               <a:rPr lang="en-US" altLang="ko-KR" sz="2500" dirty="0" smtClean="0"/>
               <a:t>: </a:t>
             </a:r>
+            <a:r>
+              <a:rPr lang="ko-KR" altLang="en-US" sz="1700" dirty="0" smtClean="0"/>
+              <a:t>버그를 </a:t>
+            </a:r>
+            <a:r>
+              <a:rPr lang="ko-KR" altLang="en-US" sz="1700" dirty="0" err="1" smtClean="0"/>
+              <a:t>고치는데에</a:t>
+            </a:r>
+            <a:r>
+              <a:rPr lang="ko-KR" altLang="en-US" sz="1700" dirty="0" smtClean="0"/>
+              <a:t> 밤샜지만</a:t>
+            </a:r>
+            <a:r>
+              <a:rPr lang="en-US" altLang="ko-KR" sz="1700" dirty="0" smtClean="0"/>
+              <a:t>…</a:t>
+            </a:r>
+            <a:r>
+              <a:rPr lang="ko-KR" altLang="en-US" sz="1700" dirty="0" smtClean="0"/>
+              <a:t>결과는 좀 만족스럽지 않았습니다</a:t>
+            </a:r>
+            <a:r>
+              <a:rPr lang="en-US" altLang="ko-KR" sz="1700" dirty="0" smtClean="0"/>
+              <a:t>. </a:t>
+            </a:r>
+            <a:r>
+              <a:rPr lang="ko-KR" altLang="en-US" sz="1700" dirty="0" smtClean="0"/>
+              <a:t>버그 </a:t>
+            </a:r>
+            <a:r>
+              <a:rPr lang="ko-KR" altLang="en-US" sz="1700" dirty="0" err="1" smtClean="0"/>
+              <a:t>고치는게</a:t>
+            </a:r>
+            <a:r>
+              <a:rPr lang="ko-KR" altLang="en-US" sz="1700" dirty="0" smtClean="0"/>
+              <a:t> 이렇게  힘든지 몰랐습니다</a:t>
+            </a:r>
+            <a:r>
+              <a:rPr lang="en-US" altLang="ko-KR" sz="1700" smtClean="0"/>
+              <a:t>. </a:t>
+            </a:r>
+            <a:r>
+              <a:rPr lang="ko-KR" altLang="en-US" sz="1700" smtClean="0"/>
+              <a:t>게임을 </a:t>
+            </a:r>
+            <a:r>
+              <a:rPr lang="ko-KR" altLang="en-US" sz="1700" dirty="0" smtClean="0"/>
+              <a:t>프로그래밍 </a:t>
+            </a:r>
+            <a:r>
+              <a:rPr lang="ko-KR" altLang="en-US" sz="1700" dirty="0" err="1" smtClean="0"/>
+              <a:t>한다는것이</a:t>
+            </a:r>
+            <a:r>
+              <a:rPr lang="ko-KR" altLang="en-US" sz="1700" dirty="0" smtClean="0"/>
+              <a:t> </a:t>
+            </a:r>
+            <a:r>
+              <a:rPr lang="ko-KR" altLang="en-US" sz="1700" dirty="0" err="1" smtClean="0"/>
+              <a:t>힘들다는걸</a:t>
+            </a:r>
+            <a:r>
+              <a:rPr lang="ko-KR" altLang="en-US" sz="1700" dirty="0" smtClean="0"/>
+              <a:t> </a:t>
+            </a:r>
+            <a:r>
+              <a:rPr lang="ko-KR" altLang="en-US" sz="1700" dirty="0" err="1" smtClean="0"/>
+              <a:t>깨닳았고</a:t>
+            </a:r>
+            <a:r>
+              <a:rPr lang="ko-KR" altLang="en-US" sz="1700" dirty="0" smtClean="0"/>
+              <a:t> 앞으로 </a:t>
+            </a:r>
+            <a:r>
+              <a:rPr lang="ko-KR" altLang="en-US" sz="1700" dirty="0" err="1" smtClean="0"/>
+              <a:t>해야할것이</a:t>
+            </a:r>
+            <a:r>
+              <a:rPr lang="ko-KR" altLang="en-US" sz="1700" dirty="0" smtClean="0"/>
+              <a:t> </a:t>
+            </a:r>
+            <a:r>
+              <a:rPr lang="en-US" altLang="ko-KR" sz="1700" dirty="0"/>
+              <a:t> </a:t>
+            </a:r>
+            <a:r>
+              <a:rPr lang="ko-KR" altLang="en-US" sz="1700" dirty="0" smtClean="0"/>
+              <a:t>많다</a:t>
+            </a:r>
+            <a:r>
+              <a:rPr lang="en-US" altLang="ko-KR" sz="1700" dirty="0" smtClean="0"/>
+              <a:t> </a:t>
+            </a:r>
+            <a:r>
+              <a:rPr lang="ko-KR" altLang="en-US" sz="1700" dirty="0" smtClean="0"/>
+              <a:t>는 생각을 </a:t>
+            </a:r>
+            <a:r>
+              <a:rPr lang="ko-KR" altLang="en-US" sz="1700" dirty="0" err="1" smtClean="0"/>
+              <a:t>하게됬습니다</a:t>
+            </a:r>
+            <a:r>
+              <a:rPr lang="en-US" altLang="ko-KR" sz="1700" dirty="0" smtClean="0"/>
+              <a:t>.</a:t>
+            </a:r>
+            <a:endParaRPr lang="en-US" altLang="ko-KR" sz="1700" dirty="0" smtClean="0"/>
           </a:p>
           <a:p>
             <a:endParaRPr lang="en-US" altLang="ko-KR" sz="2500" dirty="0" smtClean="0"/>
@@ -4459,11 +5292,7 @@
             </a:r>
             <a:r>
               <a:rPr lang="ko-KR" altLang="en-US" sz="1500" dirty="0" smtClean="0"/>
-              <a:t> </a:t>
-            </a:r>
-            <a:r>
-              <a:rPr lang="ko-KR" altLang="en-US" sz="1500" dirty="0" smtClean="0"/>
-              <a:t>저는 한 일도 없는데 벌써 프로젝트 </a:t>
+              <a:t> 저는 한 일도 없는데 벌써 프로젝트 </a:t>
             </a:r>
             <a:r>
               <a:rPr lang="ko-KR" altLang="en-US" sz="1500" dirty="0" err="1" smtClean="0"/>
@@ -4521,11 +5350,7 @@
             </a:r>
             <a:r>
               <a:rPr lang="ko-KR" altLang="en-US" sz="1500" dirty="0" smtClean="0"/>
-              <a:t>제가 </a:t>
-            </a:r>
-            <a:r>
-              <a:rPr lang="ko-KR" altLang="en-US" sz="1500" smtClean="0"/>
-              <a:t>만약 시작화면 만드는 것부터 열심히 했다면 게임제작 </a:t>
+              <a:t>제가 만약 시작화면 만드는 것부터 열심히 했다면 게임제작 </a:t>
             </a:r>
             <a:endParaRPr lang="en-US" altLang="ko-KR" sz="1500" dirty="0" smtClean="0"/>
           </a:p>
@@ -5385,11 +6210,7 @@
           <a:p>
             <a:r>
               <a:rPr lang="ko-KR" altLang="en-US" dirty="0" smtClean="0"/>
-              <a:t>목</a:t>
-            </a:r>
-            <a:r>
-              <a:rPr lang="ko-KR" altLang="en-US" dirty="0" smtClean="0"/>
-              <a:t>차</a:t>
+              <a:t>목차</a:t>
             </a:r>
             <a:endParaRPr lang="ko-KR" altLang="en-US" dirty="0"/>
           </a:p>
@@ -7941,7 +8762,7 @@
                                 </p:cTn>
                               </p:par>
                               <p:par>
-                                <p:cTn id="98" presetID="26" presetClass="emph" presetSubtype="0" fill="hold" grpId="4" nodeType="withEffect">
+                                <p:cTn id="98" presetID="26" presetClass="emph" presetSubtype="0" fill="hold" nodeType="withEffect">
                                   <p:stCondLst>
                                     <p:cond delay="0"/>
                                   </p:stCondLst>
@@ -8116,15 +8937,6 @@
               </a:rPr>
               <a:t>Attack</a:t>
             </a:r>
-            <a:endParaRPr lang="en-US" altLang="ko-KR" sz="7200" dirty="0" smtClean="0">
-              <a:effectLst>
-                <a:outerShdw blurRad="38100" dist="38100" dir="2700000" algn="tl">
-                  <a:srgbClr val="000000">
-                    <a:alpha val="43137"/>
-                  </a:srgbClr>
-                </a:outerShdw>
-              </a:effectLst>
-            </a:endParaRPr>
           </a:p>
         </p:txBody>
       </p:sp>
@@ -8329,11 +9141,7 @@
             <a:pPr algn="ctr"/>
             <a:r>
               <a:rPr lang="ko-KR" altLang="en-US" sz="6000" dirty="0" smtClean="0"/>
-              <a:t>코드 상세 설</a:t>
-            </a:r>
-            <a:r>
-              <a:rPr lang="ko-KR" altLang="en-US" sz="6000" dirty="0" smtClean="0"/>
-              <a:t>명</a:t>
+              <a:t>코드 상세 설명</a:t>
             </a:r>
             <a:endParaRPr lang="ko-KR" altLang="en-US" sz="6000" dirty="0"/>
           </a:p>
@@ -8483,6 +9291,542 @@
 </file>
 
 <file path=ppt/slides/slide6.xml><?xml version="1.0" encoding="utf-8"?>
+<p:sld xmlns:a="http://schemas.openxmlformats.org/drawingml/2006/main" xmlns:r="http://schemas.openxmlformats.org/officeDocument/2006/relationships" xmlns:p="http://schemas.openxmlformats.org/presentationml/2006/main">
+  <p:cSld>
+    <p:spTree>
+      <p:nvGrpSpPr>
+        <p:cNvPr id="1" name=""/>
+        <p:cNvGrpSpPr/>
+        <p:nvPr/>
+      </p:nvGrpSpPr>
+      <p:grpSpPr>
+        <a:xfrm>
+          <a:off x="0" y="0"/>
+          <a:ext cx="0" cy="0"/>
+          <a:chOff x="0" y="0"/>
+          <a:chExt cx="0" cy="0"/>
+        </a:xfrm>
+      </p:grpSpPr>
+      <p:sp>
+        <p:nvSpPr>
+          <p:cNvPr id="2" name="제목 1"/>
+          <p:cNvSpPr>
+            <a:spLocks noGrp="1"/>
+          </p:cNvSpPr>
+          <p:nvPr>
+            <p:ph type="title"/>
+          </p:nvPr>
+        </p:nvSpPr>
+        <p:spPr/>
+        <p:txBody>
+          <a:bodyPr/>
+          <a:lstStyle/>
+          <a:p>
+            <a:r>
+              <a:rPr lang="en-US" altLang="ko-KR" dirty="0" smtClean="0"/>
+              <a:t>main</a:t>
+            </a:r>
+            <a:endParaRPr lang="ko-KR" altLang="en-US" dirty="0"/>
+          </a:p>
+        </p:txBody>
+      </p:sp>
+      <p:pic>
+        <p:nvPicPr>
+          <p:cNvPr id="4" name="내용 개체 틀 3"/>
+          <p:cNvPicPr>
+            <a:picLocks noGrp="1" noChangeAspect="1"/>
+          </p:cNvPicPr>
+          <p:nvPr>
+            <p:ph idx="1"/>
+          </p:nvPr>
+        </p:nvPicPr>
+        <p:blipFill>
+          <a:blip r:embed="rId2">
+            <a:extLst>
+              <a:ext uri="{28A0092B-C50C-407E-A947-70E740481C1C}">
+                <a14:useLocalDpi xmlns:a14="http://schemas.microsoft.com/office/drawing/2010/main" val="0"/>
+              </a:ext>
+            </a:extLst>
+          </a:blip>
+          <a:stretch>
+            <a:fillRect/>
+          </a:stretch>
+        </p:blipFill>
+        <p:spPr>
+          <a:xfrm>
+            <a:off x="1043608" y="1666526"/>
+            <a:ext cx="7200800" cy="4610268"/>
+          </a:xfrm>
+        </p:spPr>
+      </p:pic>
+    </p:spTree>
+    <p:extLst>
+      <p:ext uri="{BB962C8B-B14F-4D97-AF65-F5344CB8AC3E}">
+        <p14:creationId xmlns:p14="http://schemas.microsoft.com/office/powerpoint/2010/main" val="2985822660"/>
+      </p:ext>
+    </p:extLst>
+  </p:cSld>
+  <p:clrMapOvr>
+    <a:masterClrMapping/>
+  </p:clrMapOvr>
+  <p:timing>
+    <p:tnLst>
+      <p:par>
+        <p:cTn id="1" dur="indefinite" restart="never" nodeType="tmRoot">
+          <p:childTnLst>
+            <p:seq concurrent="1" nextAc="seek">
+              <p:cTn id="2" dur="indefinite" nodeType="mainSeq">
+                <p:childTnLst>
+                  <p:par>
+                    <p:cTn id="3" fill="hold">
+                      <p:stCondLst>
+                        <p:cond delay="indefinite"/>
+                      </p:stCondLst>
+                      <p:childTnLst>
+                        <p:par>
+                          <p:cTn id="4" fill="hold">
+                            <p:stCondLst>
+                              <p:cond delay="0"/>
+                            </p:stCondLst>
+                            <p:childTnLst>
+                              <p:par>
+                                <p:cTn id="5" presetID="14" presetClass="entr" presetSubtype="10" fill="hold" nodeType="clickEffect">
+                                  <p:stCondLst>
+                                    <p:cond delay="0"/>
+                                  </p:stCondLst>
+                                  <p:childTnLst>
+                                    <p:set>
+                                      <p:cBhvr>
+                                        <p:cTn id="6" dur="1" fill="hold">
+                                          <p:stCondLst>
+                                            <p:cond delay="0"/>
+                                          </p:stCondLst>
+                                        </p:cTn>
+                                        <p:tgtEl>
+                                          <p:spTgt spid="4"/>
+                                        </p:tgtEl>
+                                        <p:attrNameLst>
+                                          <p:attrName>style.visibility</p:attrName>
+                                        </p:attrNameLst>
+                                      </p:cBhvr>
+                                      <p:to>
+                                        <p:strVal val="visible"/>
+                                      </p:to>
+                                    </p:set>
+                                    <p:animEffect transition="in" filter="randombar(horizontal)">
+                                      <p:cBhvr>
+                                        <p:cTn id="7" dur="500"/>
+                                        <p:tgtEl>
+                                          <p:spTgt spid="4"/>
+                                        </p:tgtEl>
+                                      </p:cBhvr>
+                                    </p:animEffect>
+                                  </p:childTnLst>
+                                </p:cTn>
+                              </p:par>
+                            </p:childTnLst>
+                          </p:cTn>
+                        </p:par>
+                      </p:childTnLst>
+                    </p:cTn>
+                  </p:par>
+                </p:childTnLst>
+              </p:cTn>
+              <p:prevCondLst>
+                <p:cond evt="onPrev" delay="0">
+                  <p:tgtEl>
+                    <p:sldTgt/>
+                  </p:tgtEl>
+                </p:cond>
+              </p:prevCondLst>
+              <p:nextCondLst>
+                <p:cond evt="onNext" delay="0">
+                  <p:tgtEl>
+                    <p:sldTgt/>
+                  </p:tgtEl>
+                </p:cond>
+              </p:nextCondLst>
+            </p:seq>
+          </p:childTnLst>
+        </p:cTn>
+      </p:par>
+    </p:tnLst>
+  </p:timing>
+</p:sld>
+</file>
+
+<file path=ppt/slides/slide7.xml><?xml version="1.0" encoding="utf-8"?>
+<p:sld xmlns:a="http://schemas.openxmlformats.org/drawingml/2006/main" xmlns:r="http://schemas.openxmlformats.org/officeDocument/2006/relationships" xmlns:p="http://schemas.openxmlformats.org/presentationml/2006/main">
+  <p:cSld>
+    <p:spTree>
+      <p:nvGrpSpPr>
+        <p:cNvPr id="1" name=""/>
+        <p:cNvGrpSpPr/>
+        <p:nvPr/>
+      </p:nvGrpSpPr>
+      <p:grpSpPr>
+        <a:xfrm>
+          <a:off x="0" y="0"/>
+          <a:ext cx="0" cy="0"/>
+          <a:chOff x="0" y="0"/>
+          <a:chExt cx="0" cy="0"/>
+        </a:xfrm>
+      </p:grpSpPr>
+      <p:sp>
+        <p:nvSpPr>
+          <p:cNvPr id="2" name="제목 1"/>
+          <p:cNvSpPr>
+            <a:spLocks noGrp="1"/>
+          </p:cNvSpPr>
+          <p:nvPr>
+            <p:ph type="title"/>
+          </p:nvPr>
+        </p:nvSpPr>
+        <p:spPr/>
+        <p:txBody>
+          <a:bodyPr/>
+          <a:lstStyle/>
+          <a:p>
+            <a:r>
+              <a:rPr lang="en-US" altLang="ko-KR" dirty="0" err="1" smtClean="0"/>
+              <a:t>Struct</a:t>
+            </a:r>
+            <a:endParaRPr lang="ko-KR" altLang="en-US" dirty="0"/>
+          </a:p>
+        </p:txBody>
+      </p:sp>
+      <p:pic>
+        <p:nvPicPr>
+          <p:cNvPr id="4" name="내용 개체 틀 3"/>
+          <p:cNvPicPr>
+            <a:picLocks noGrp="1" noChangeAspect="1"/>
+          </p:cNvPicPr>
+          <p:nvPr>
+            <p:ph idx="1"/>
+          </p:nvPr>
+        </p:nvPicPr>
+        <p:blipFill>
+          <a:blip r:embed="rId2">
+            <a:extLst>
+              <a:ext uri="{28A0092B-C50C-407E-A947-70E740481C1C}">
+                <a14:useLocalDpi xmlns:a14="http://schemas.microsoft.com/office/drawing/2010/main" val="0"/>
+              </a:ext>
+            </a:extLst>
+          </a:blip>
+          <a:stretch>
+            <a:fillRect/>
+          </a:stretch>
+        </p:blipFill>
+        <p:spPr>
+          <a:xfrm>
+            <a:off x="755576" y="1650961"/>
+            <a:ext cx="3096344" cy="4887267"/>
+          </a:xfrm>
+        </p:spPr>
+      </p:pic>
+      <p:sp>
+        <p:nvSpPr>
+          <p:cNvPr id="6" name="TextBox 5"/>
+          <p:cNvSpPr txBox="1"/>
+          <p:nvPr/>
+        </p:nvSpPr>
+        <p:spPr>
+          <a:xfrm>
+            <a:off x="5076056" y="1844824"/>
+            <a:ext cx="3528392" cy="1569660"/>
+          </a:xfrm>
+          <a:prstGeom prst="rect">
+            <a:avLst/>
+          </a:prstGeom>
+          <a:noFill/>
+        </p:spPr>
+        <p:txBody>
+          <a:bodyPr wrap="square" rtlCol="0">
+            <a:spAutoFit/>
+          </a:bodyPr>
+          <a:lstStyle/>
+          <a:p>
+            <a:r>
+              <a:rPr lang="ko-KR" altLang="en-US" sz="2400" dirty="0" smtClean="0"/>
+              <a:t>플레이어의 정보와 총알의 정보를 한곳에 모아두어 편하게 </a:t>
+            </a:r>
+            <a:r>
+              <a:rPr lang="ko-KR" altLang="en-US" sz="2400" dirty="0" err="1" smtClean="0"/>
+              <a:t>불러올수</a:t>
+            </a:r>
+            <a:r>
+              <a:rPr lang="ko-KR" altLang="en-US" sz="2400" dirty="0" smtClean="0"/>
+              <a:t> 있습니다</a:t>
+            </a:r>
+            <a:r>
+              <a:rPr lang="en-US" altLang="ko-KR" sz="2400" dirty="0" smtClean="0"/>
+              <a:t>.</a:t>
+            </a:r>
+            <a:endParaRPr lang="ko-KR" altLang="en-US" sz="2400" dirty="0"/>
+          </a:p>
+        </p:txBody>
+      </p:sp>
+      <p:pic>
+        <p:nvPicPr>
+          <p:cNvPr id="7" name="그림 6"/>
+          <p:cNvPicPr>
+            <a:picLocks noChangeAspect="1"/>
+          </p:cNvPicPr>
+          <p:nvPr/>
+        </p:nvPicPr>
+        <p:blipFill>
+          <a:blip r:embed="rId3">
+            <a:extLst>
+              <a:ext uri="{28A0092B-C50C-407E-A947-70E740481C1C}">
+                <a14:useLocalDpi xmlns:a14="http://schemas.microsoft.com/office/drawing/2010/main" val="0"/>
+              </a:ext>
+            </a:extLst>
+          </a:blip>
+          <a:stretch>
+            <a:fillRect/>
+          </a:stretch>
+        </p:blipFill>
+        <p:spPr>
+          <a:xfrm>
+            <a:off x="4283968" y="3658502"/>
+            <a:ext cx="3693562" cy="2879726"/>
+          </a:xfrm>
+          <a:prstGeom prst="rect">
+            <a:avLst/>
+          </a:prstGeom>
+        </p:spPr>
+      </p:pic>
+    </p:spTree>
+  </p:cSld>
+  <p:clrMapOvr>
+    <a:masterClrMapping/>
+  </p:clrMapOvr>
+  <p:timing>
+    <p:tnLst>
+      <p:par>
+        <p:cTn id="1" dur="indefinite" restart="never" nodeType="tmRoot">
+          <p:childTnLst>
+            <p:seq concurrent="1" nextAc="seek">
+              <p:cTn id="2" dur="indefinite" nodeType="mainSeq">
+                <p:childTnLst>
+                  <p:par>
+                    <p:cTn id="3" fill="hold">
+                      <p:stCondLst>
+                        <p:cond delay="indefinite"/>
+                      </p:stCondLst>
+                      <p:childTnLst>
+                        <p:par>
+                          <p:cTn id="4" fill="hold">
+                            <p:stCondLst>
+                              <p:cond delay="0"/>
+                            </p:stCondLst>
+                            <p:childTnLst>
+                              <p:par>
+                                <p:cTn id="5" presetID="10" presetClass="entr" presetSubtype="0" fill="hold" nodeType="clickEffect">
+                                  <p:stCondLst>
+                                    <p:cond delay="0"/>
+                                  </p:stCondLst>
+                                  <p:childTnLst>
+                                    <p:set>
+                                      <p:cBhvr>
+                                        <p:cTn id="6" dur="1" fill="hold">
+                                          <p:stCondLst>
+                                            <p:cond delay="0"/>
+                                          </p:stCondLst>
+                                        </p:cTn>
+                                        <p:tgtEl>
+                                          <p:spTgt spid="4"/>
+                                        </p:tgtEl>
+                                        <p:attrNameLst>
+                                          <p:attrName>style.visibility</p:attrName>
+                                        </p:attrNameLst>
+                                      </p:cBhvr>
+                                      <p:to>
+                                        <p:strVal val="visible"/>
+                                      </p:to>
+                                    </p:set>
+                                    <p:animEffect transition="in" filter="fade">
+                                      <p:cBhvr>
+                                        <p:cTn id="7" dur="500"/>
+                                        <p:tgtEl>
+                                          <p:spTgt spid="4"/>
+                                        </p:tgtEl>
+                                      </p:cBhvr>
+                                    </p:animEffect>
+                                  </p:childTnLst>
+                                </p:cTn>
+                              </p:par>
+                            </p:childTnLst>
+                          </p:cTn>
+                        </p:par>
+                      </p:childTnLst>
+                    </p:cTn>
+                  </p:par>
+                  <p:par>
+                    <p:cTn id="8" fill="hold">
+                      <p:stCondLst>
+                        <p:cond delay="indefinite"/>
+                      </p:stCondLst>
+                      <p:childTnLst>
+                        <p:par>
+                          <p:cTn id="9" fill="hold">
+                            <p:stCondLst>
+                              <p:cond delay="0"/>
+                            </p:stCondLst>
+                            <p:childTnLst>
+                              <p:par>
+                                <p:cTn id="10" presetID="1" presetClass="entr" presetSubtype="0" fill="hold" nodeType="clickEffect">
+                                  <p:stCondLst>
+                                    <p:cond delay="0"/>
+                                  </p:stCondLst>
+                                  <p:childTnLst>
+                                    <p:set>
+                                      <p:cBhvr>
+                                        <p:cTn id="11" dur="1" fill="hold">
+                                          <p:stCondLst>
+                                            <p:cond delay="0"/>
+                                          </p:stCondLst>
+                                        </p:cTn>
+                                        <p:tgtEl>
+                                          <p:spTgt spid="7"/>
+                                        </p:tgtEl>
+                                        <p:attrNameLst>
+                                          <p:attrName>style.visibility</p:attrName>
+                                        </p:attrNameLst>
+                                      </p:cBhvr>
+                                      <p:to>
+                                        <p:strVal val="visible"/>
+                                      </p:to>
+                                    </p:set>
+                                  </p:childTnLst>
+                                </p:cTn>
+                              </p:par>
+                            </p:childTnLst>
+                          </p:cTn>
+                        </p:par>
+                      </p:childTnLst>
+                    </p:cTn>
+                  </p:par>
+                  <p:par>
+                    <p:cTn id="12" fill="hold">
+                      <p:stCondLst>
+                        <p:cond delay="indefinite"/>
+                      </p:stCondLst>
+                      <p:childTnLst>
+                        <p:par>
+                          <p:cTn id="13" fill="hold">
+                            <p:stCondLst>
+                              <p:cond delay="0"/>
+                            </p:stCondLst>
+                            <p:childTnLst>
+                              <p:par>
+                                <p:cTn id="14" presetID="2" presetClass="entr" presetSubtype="4" fill="hold" grpId="0" nodeType="clickEffect">
+                                  <p:stCondLst>
+                                    <p:cond delay="0"/>
+                                  </p:stCondLst>
+                                  <p:childTnLst>
+                                    <p:set>
+                                      <p:cBhvr>
+                                        <p:cTn id="15" dur="1" fill="hold">
+                                          <p:stCondLst>
+                                            <p:cond delay="0"/>
+                                          </p:stCondLst>
+                                        </p:cTn>
+                                        <p:tgtEl>
+                                          <p:spTgt spid="6"/>
+                                        </p:tgtEl>
+                                        <p:attrNameLst>
+                                          <p:attrName>style.visibility</p:attrName>
+                                        </p:attrNameLst>
+                                      </p:cBhvr>
+                                      <p:to>
+                                        <p:strVal val="visible"/>
+                                      </p:to>
+                                    </p:set>
+                                    <p:anim calcmode="lin" valueType="num">
+                                      <p:cBhvr additive="base">
+                                        <p:cTn id="16" dur="500" fill="hold"/>
+                                        <p:tgtEl>
+                                          <p:spTgt spid="6"/>
+                                        </p:tgtEl>
+                                        <p:attrNameLst>
+                                          <p:attrName>ppt_x</p:attrName>
+                                        </p:attrNameLst>
+                                      </p:cBhvr>
+                                      <p:tavLst>
+                                        <p:tav tm="0">
+                                          <p:val>
+                                            <p:strVal val="#ppt_x"/>
+                                          </p:val>
+                                        </p:tav>
+                                        <p:tav tm="100000">
+                                          <p:val>
+                                            <p:strVal val="#ppt_x"/>
+                                          </p:val>
+                                        </p:tav>
+                                      </p:tavLst>
+                                    </p:anim>
+                                    <p:anim calcmode="lin" valueType="num">
+                                      <p:cBhvr additive="base">
+                                        <p:cTn id="17" dur="500" fill="hold"/>
+                                        <p:tgtEl>
+                                          <p:spTgt spid="6"/>
+                                        </p:tgtEl>
+                                        <p:attrNameLst>
+                                          <p:attrName>ppt_y</p:attrName>
+                                        </p:attrNameLst>
+                                      </p:cBhvr>
+                                      <p:tavLst>
+                                        <p:tav tm="0">
+                                          <p:val>
+                                            <p:strVal val="1+#ppt_h/2"/>
+                                          </p:val>
+                                        </p:tav>
+                                        <p:tav tm="100000">
+                                          <p:val>
+                                            <p:strVal val="#ppt_y"/>
+                                          </p:val>
+                                        </p:tav>
+                                      </p:tavLst>
+                                    </p:anim>
+                                  </p:childTnLst>
+                                </p:cTn>
+                              </p:par>
+                            </p:childTnLst>
+                          </p:cTn>
+                        </p:par>
+                      </p:childTnLst>
+                    </p:cTn>
+                  </p:par>
+                </p:childTnLst>
+              </p:cTn>
+              <p:prevCondLst>
+                <p:cond evt="onPrev" delay="0">
+                  <p:tgtEl>
+                    <p:sldTgt/>
+                  </p:tgtEl>
+                </p:cond>
+              </p:prevCondLst>
+              <p:nextCondLst>
+                <p:cond evt="onNext" delay="0">
+                  <p:tgtEl>
+                    <p:sldTgt/>
+                  </p:tgtEl>
+                </p:cond>
+              </p:nextCondLst>
+            </p:seq>
+          </p:childTnLst>
+        </p:cTn>
+      </p:par>
+    </p:tnLst>
+    <p:bldLst>
+      <p:bldP spid="6" grpId="0"/>
+    </p:bldLst>
+  </p:timing>
+</p:sld>
+</file>
+
+<file path=ppt/slides/slide8.xml><?xml version="1.0" encoding="utf-8"?>
 <p:sld xmlns:a="http://schemas.openxmlformats.org/drawingml/2006/main" xmlns:r="http://schemas.openxmlformats.org/officeDocument/2006/relationships" xmlns:p="http://schemas.openxmlformats.org/presentationml/2006/main">
   <p:cSld>
     <p:spTree>
@@ -9920,146 +11264,6 @@
 </p:sld>
 </file>
 
-<file path=ppt/slides/slide7.xml><?xml version="1.0" encoding="utf-8"?>
-<p:sld xmlns:a="http://schemas.openxmlformats.org/drawingml/2006/main" xmlns:r="http://schemas.openxmlformats.org/officeDocument/2006/relationships" xmlns:p="http://schemas.openxmlformats.org/presentationml/2006/main">
-  <p:cSld>
-    <p:spTree>
-      <p:nvGrpSpPr>
-        <p:cNvPr id="1" name=""/>
-        <p:cNvGrpSpPr/>
-        <p:nvPr/>
-      </p:nvGrpSpPr>
-      <p:grpSpPr>
-        <a:xfrm>
-          <a:off x="0" y="0"/>
-          <a:ext cx="0" cy="0"/>
-          <a:chOff x="0" y="0"/>
-          <a:chExt cx="0" cy="0"/>
-        </a:xfrm>
-      </p:grpSpPr>
-      <p:sp>
-        <p:nvSpPr>
-          <p:cNvPr id="2" name="제목 1"/>
-          <p:cNvSpPr>
-            <a:spLocks noGrp="1"/>
-          </p:cNvSpPr>
-          <p:nvPr>
-            <p:ph type="title"/>
-          </p:nvPr>
-        </p:nvSpPr>
-        <p:spPr/>
-        <p:txBody>
-          <a:bodyPr/>
-          <a:lstStyle/>
-          <a:p>
-            <a:endParaRPr lang="ko-KR" altLang="en-US" dirty="0"/>
-          </a:p>
-        </p:txBody>
-      </p:sp>
-      <p:sp>
-        <p:nvSpPr>
-          <p:cNvPr id="3" name="내용 개체 틀 2"/>
-          <p:cNvSpPr>
-            <a:spLocks noGrp="1"/>
-          </p:cNvSpPr>
-          <p:nvPr>
-            <p:ph idx="1"/>
-          </p:nvPr>
-        </p:nvSpPr>
-        <p:spPr/>
-        <p:txBody>
-          <a:bodyPr/>
-          <a:lstStyle/>
-          <a:p>
-            <a:endParaRPr lang="ko-KR" altLang="en-US"/>
-          </a:p>
-        </p:txBody>
-      </p:sp>
-    </p:spTree>
-  </p:cSld>
-  <p:clrMapOvr>
-    <a:masterClrMapping/>
-  </p:clrMapOvr>
-  <p:timing>
-    <p:tnLst>
-      <p:par>
-        <p:cTn id="1" dur="indefinite" restart="never" nodeType="tmRoot"/>
-      </p:par>
-    </p:tnLst>
-  </p:timing>
-</p:sld>
-</file>
-
-<file path=ppt/slides/slide8.xml><?xml version="1.0" encoding="utf-8"?>
-<p:sld xmlns:a="http://schemas.openxmlformats.org/drawingml/2006/main" xmlns:r="http://schemas.openxmlformats.org/officeDocument/2006/relationships" xmlns:p="http://schemas.openxmlformats.org/presentationml/2006/main">
-  <p:cSld>
-    <p:spTree>
-      <p:nvGrpSpPr>
-        <p:cNvPr id="1" name=""/>
-        <p:cNvGrpSpPr/>
-        <p:nvPr/>
-      </p:nvGrpSpPr>
-      <p:grpSpPr>
-        <a:xfrm>
-          <a:off x="0" y="0"/>
-          <a:ext cx="0" cy="0"/>
-          <a:chOff x="0" y="0"/>
-          <a:chExt cx="0" cy="0"/>
-        </a:xfrm>
-      </p:grpSpPr>
-      <p:sp>
-        <p:nvSpPr>
-          <p:cNvPr id="2" name="제목 1"/>
-          <p:cNvSpPr>
-            <a:spLocks noGrp="1"/>
-          </p:cNvSpPr>
-          <p:nvPr>
-            <p:ph type="title"/>
-          </p:nvPr>
-        </p:nvSpPr>
-        <p:spPr/>
-        <p:txBody>
-          <a:bodyPr/>
-          <a:lstStyle/>
-          <a:p>
-            <a:endParaRPr lang="ko-KR" altLang="en-US"/>
-          </a:p>
-        </p:txBody>
-      </p:sp>
-      <p:sp>
-        <p:nvSpPr>
-          <p:cNvPr id="3" name="내용 개체 틀 2"/>
-          <p:cNvSpPr>
-            <a:spLocks noGrp="1"/>
-          </p:cNvSpPr>
-          <p:nvPr>
-            <p:ph idx="1"/>
-          </p:nvPr>
-        </p:nvSpPr>
-        <p:spPr/>
-        <p:txBody>
-          <a:bodyPr/>
-          <a:lstStyle/>
-          <a:p>
-            <a:endParaRPr lang="ko-KR" altLang="en-US"/>
-          </a:p>
-        </p:txBody>
-      </p:sp>
-    </p:spTree>
-  </p:cSld>
-  <p:clrMapOvr>
-    <a:masterClrMapping/>
-  </p:clrMapOvr>
-  <p:timing>
-    <p:tnLst>
-      <p:par>
-        <p:cTn id="1" dur="indefinite" restart="never" nodeType="tmRoot"/>
-      </p:par>
-    </p:tnLst>
-  </p:timing>
-</p:sld>
-</file>
-
 <file path=ppt/slides/slide9.xml><?xml version="1.0" encoding="utf-8"?>
 <p:sld xmlns:a="http://schemas.openxmlformats.org/drawingml/2006/main" xmlns:r="http://schemas.openxmlformats.org/officeDocument/2006/relationships" xmlns:p="http://schemas.openxmlformats.org/presentationml/2006/main">
   <p:cSld>
@@ -10093,29 +11297,267 @@
           <a:lstStyle/>
           <a:p>
             <a:r>
-              <a:rPr lang="en-US" altLang="ko-KR" dirty="0" smtClean="0"/>
-              <a:t>End()</a:t>
+              <a:rPr lang="en-US" altLang="ko-KR" dirty="0" err="1" smtClean="0"/>
+              <a:t>Game_start</a:t>
             </a:r>
             <a:endParaRPr lang="ko-KR" altLang="en-US" dirty="0"/>
           </a:p>
         </p:txBody>
       </p:sp>
-      <p:sp>
-        <p:nvSpPr>
-          <p:cNvPr id="3" name="내용 개체 틀 2"/>
-          <p:cNvSpPr>
-            <a:spLocks noGrp="1"/>
-          </p:cNvSpPr>
+      <p:pic>
+        <p:nvPicPr>
+          <p:cNvPr id="6" name="내용 개체 틀 5"/>
+          <p:cNvPicPr>
+            <a:picLocks noGrp="1" noChangeAspect="1"/>
+          </p:cNvPicPr>
           <p:nvPr>
             <p:ph idx="1"/>
           </p:nvPr>
+        </p:nvPicPr>
+        <p:blipFill>
+          <a:blip r:embed="rId3">
+            <a:extLst>
+              <a:ext uri="{28A0092B-C50C-407E-A947-70E740481C1C}">
+                <a14:useLocalDpi xmlns:a14="http://schemas.microsoft.com/office/drawing/2010/main" val="0"/>
+              </a:ext>
+            </a:extLst>
+          </a:blip>
+          <a:stretch>
+            <a:fillRect/>
+          </a:stretch>
+        </p:blipFill>
+        <p:spPr>
+          <a:xfrm rot="21162823">
+            <a:off x="212820" y="1751579"/>
+            <a:ext cx="3994607" cy="922503"/>
+          </a:xfrm>
+        </p:spPr>
+      </p:pic>
+      <p:sp>
+        <p:nvSpPr>
+          <p:cNvPr id="12" name="TextBox 11"/>
+          <p:cNvSpPr txBox="1"/>
+          <p:nvPr/>
         </p:nvSpPr>
-        <p:spPr/>
+        <p:spPr>
+          <a:xfrm>
+            <a:off x="6609339" y="3118405"/>
+            <a:ext cx="184731" cy="369332"/>
+          </a:xfrm>
+          <a:prstGeom prst="rect">
+            <a:avLst/>
+          </a:prstGeom>
+          <a:noFill/>
+        </p:spPr>
         <p:txBody>
-          <a:bodyPr/>
+          <a:bodyPr wrap="none" rtlCol="0">
+            <a:spAutoFit/>
+          </a:bodyPr>
           <a:lstStyle/>
           <a:p>
-            <a:endParaRPr lang="ko-KR" altLang="en-US" dirty="0"/>
+            <a:endParaRPr lang="ko-KR" altLang="en-US" dirty="0">
+              <a:solidFill>
+                <a:schemeClr val="bg1"/>
+              </a:solidFill>
+            </a:endParaRPr>
+          </a:p>
+        </p:txBody>
+      </p:sp>
+      <p:pic>
+        <p:nvPicPr>
+          <p:cNvPr id="13" name="그림 12"/>
+          <p:cNvPicPr>
+            <a:picLocks noChangeAspect="1"/>
+          </p:cNvPicPr>
+          <p:nvPr/>
+        </p:nvPicPr>
+        <p:blipFill>
+          <a:blip r:embed="rId4">
+            <a:extLst>
+              <a:ext uri="{28A0092B-C50C-407E-A947-70E740481C1C}">
+                <a14:useLocalDpi xmlns:a14="http://schemas.microsoft.com/office/drawing/2010/main" val="0"/>
+              </a:ext>
+            </a:extLst>
+          </a:blip>
+          <a:stretch>
+            <a:fillRect/>
+          </a:stretch>
+        </p:blipFill>
+        <p:spPr>
+          <a:xfrm rot="336556">
+            <a:off x="947782" y="2348045"/>
+            <a:ext cx="2426630" cy="2930563"/>
+          </a:xfrm>
+          <a:prstGeom prst="rect">
+            <a:avLst/>
+          </a:prstGeom>
+        </p:spPr>
+      </p:pic>
+      <p:pic>
+        <p:nvPicPr>
+          <p:cNvPr id="9" name="그림 8"/>
+          <p:cNvPicPr>
+            <a:picLocks noChangeAspect="1"/>
+          </p:cNvPicPr>
+          <p:nvPr/>
+        </p:nvPicPr>
+        <p:blipFill>
+          <a:blip r:embed="rId5" cstate="print">
+            <a:extLst>
+              <a:ext uri="{28A0092B-C50C-407E-A947-70E740481C1C}">
+                <a14:useLocalDpi xmlns:a14="http://schemas.microsoft.com/office/drawing/2010/main" val="0"/>
+              </a:ext>
+            </a:extLst>
+          </a:blip>
+          <a:stretch>
+            <a:fillRect/>
+          </a:stretch>
+        </p:blipFill>
+        <p:spPr>
+          <a:xfrm rot="20604010">
+            <a:off x="612733" y="2207055"/>
+            <a:ext cx="1809845" cy="4258307"/>
+          </a:xfrm>
+          <a:prstGeom prst="rect">
+            <a:avLst/>
+          </a:prstGeom>
+        </p:spPr>
+      </p:pic>
+      <p:pic>
+        <p:nvPicPr>
+          <p:cNvPr id="8" name="그림 7"/>
+          <p:cNvPicPr>
+            <a:picLocks noChangeAspect="1"/>
+          </p:cNvPicPr>
+          <p:nvPr/>
+        </p:nvPicPr>
+        <p:blipFill>
+          <a:blip r:embed="rId6" cstate="print">
+            <a:extLst>
+              <a:ext uri="{28A0092B-C50C-407E-A947-70E740481C1C}">
+                <a14:useLocalDpi xmlns:a14="http://schemas.microsoft.com/office/drawing/2010/main" val="0"/>
+              </a:ext>
+            </a:extLst>
+          </a:blip>
+          <a:stretch>
+            <a:fillRect/>
+          </a:stretch>
+        </p:blipFill>
+        <p:spPr>
+          <a:xfrm rot="774950">
+            <a:off x="2094008" y="2130331"/>
+            <a:ext cx="1875864" cy="4411755"/>
+          </a:xfrm>
+          <a:prstGeom prst="rect">
+            <a:avLst/>
+          </a:prstGeom>
+        </p:spPr>
+      </p:pic>
+      <p:pic>
+        <p:nvPicPr>
+          <p:cNvPr id="7" name="그림 6"/>
+          <p:cNvPicPr>
+            <a:picLocks noChangeAspect="1"/>
+          </p:cNvPicPr>
+          <p:nvPr/>
+        </p:nvPicPr>
+        <p:blipFill>
+          <a:blip r:embed="rId7" cstate="print">
+            <a:extLst>
+              <a:ext uri="{28A0092B-C50C-407E-A947-70E740481C1C}">
+                <a14:useLocalDpi xmlns:a14="http://schemas.microsoft.com/office/drawing/2010/main" val="0"/>
+              </a:ext>
+            </a:extLst>
+          </a:blip>
+          <a:stretch>
+            <a:fillRect/>
+          </a:stretch>
+        </p:blipFill>
+        <p:spPr>
+          <a:xfrm>
+            <a:off x="1624681" y="1666526"/>
+            <a:ext cx="1163441" cy="4422737"/>
+          </a:xfrm>
+          <a:prstGeom prst="rect">
+            <a:avLst/>
+          </a:prstGeom>
+        </p:spPr>
+      </p:pic>
+      <p:sp>
+        <p:nvSpPr>
+          <p:cNvPr id="18" name="TextBox 17"/>
+          <p:cNvSpPr txBox="1"/>
+          <p:nvPr/>
+        </p:nvSpPr>
+        <p:spPr>
+          <a:xfrm>
+            <a:off x="5508104" y="1772816"/>
+            <a:ext cx="3178696" cy="3046988"/>
+          </a:xfrm>
+          <a:prstGeom prst="rect">
+            <a:avLst/>
+          </a:prstGeom>
+          <a:noFill/>
+        </p:spPr>
+        <p:txBody>
+          <a:bodyPr wrap="square" rtlCol="0">
+            <a:spAutoFit/>
+          </a:bodyPr>
+          <a:lstStyle/>
+          <a:p>
+            <a:pPr marL="342900" indent="-342900">
+              <a:buFont typeface="Arial" panose="020B0604020202020204" pitchFamily="34" charset="0"/>
+              <a:buChar char="•"/>
+            </a:pPr>
+            <a:r>
+              <a:rPr lang="ko-KR" altLang="en-US" sz="2400" dirty="0" smtClean="0"/>
+              <a:t>포인터를 이용하여 파일을 불러오기</a:t>
+            </a:r>
+            <a:endParaRPr lang="en-US" altLang="ko-KR" sz="2400" dirty="0" smtClean="0"/>
+          </a:p>
+          <a:p>
+            <a:pPr marL="342900" indent="-342900">
+              <a:buFont typeface="Arial" panose="020B0604020202020204" pitchFamily="34" charset="0"/>
+              <a:buChar char="•"/>
+            </a:pPr>
+            <a:endParaRPr lang="en-US" altLang="ko-KR" sz="2400" dirty="0" smtClean="0"/>
+          </a:p>
+          <a:p>
+            <a:pPr marL="342900" indent="-342900">
+              <a:buFont typeface="Arial" panose="020B0604020202020204" pitchFamily="34" charset="0"/>
+              <a:buChar char="•"/>
+            </a:pPr>
+            <a:r>
+              <a:rPr lang="en-US" altLang="ko-KR" sz="2400" dirty="0" smtClean="0"/>
+              <a:t>If</a:t>
+            </a:r>
+            <a:r>
+              <a:rPr lang="ko-KR" altLang="en-US" sz="2400" dirty="0" smtClean="0"/>
+              <a:t>문을 이용하여 </a:t>
+            </a:r>
+            <a:r>
+              <a:rPr lang="ko-KR" altLang="en-US" sz="2400" dirty="0" err="1" smtClean="0"/>
+              <a:t>키받기</a:t>
+            </a:r>
+            <a:endParaRPr lang="en-US" altLang="ko-KR" sz="2400" dirty="0" smtClean="0"/>
+          </a:p>
+          <a:p>
+            <a:pPr marL="342900" indent="-342900">
+              <a:buFont typeface="Arial" panose="020B0604020202020204" pitchFamily="34" charset="0"/>
+              <a:buChar char="•"/>
+            </a:pPr>
+            <a:endParaRPr lang="en-US" altLang="ko-KR" sz="2400" dirty="0" smtClean="0"/>
+          </a:p>
+          <a:p>
+            <a:pPr marL="342900" indent="-342900">
+              <a:buFont typeface="Arial" panose="020B0604020202020204" pitchFamily="34" charset="0"/>
+              <a:buChar char="•"/>
+            </a:pPr>
+            <a:r>
+              <a:rPr lang="ko-KR" altLang="en-US" sz="2400" dirty="0" smtClean="0"/>
+              <a:t>구조체로부터 불러오기</a:t>
+            </a:r>
+            <a:endParaRPr lang="ko-KR" altLang="en-US" sz="2400" dirty="0"/>
           </a:p>
         </p:txBody>
       </p:sp>
@@ -10145,13 +11587,10 @@
                             </p:stCondLst>
                             <p:childTnLst>
                               <p:par>
-                                <p:cTn id="5" presetID="40" presetClass="entr" presetSubtype="0" fill="hold" grpId="0" nodeType="clickEffect">
+                                <p:cTn id="5" presetID="1" presetClass="entr" presetSubtype="0" fill="hold" nodeType="clickEffect">
                                   <p:stCondLst>
                                     <p:cond delay="0"/>
                                   </p:stCondLst>
-                                  <p:iterate type="lt">
-                                    <p:tmPct val="10000"/>
-                                  </p:iterate>
                                   <p:childTnLst>
                                     <p:set>
                                       <p:cBhvr>
@@ -10161,7 +11600,7 @@
                                           </p:stCondLst>
                                         </p:cTn>
                                         <p:tgtEl>
-                                          <p:spTgt spid="2"/>
+                                          <p:spTgt spid="6"/>
                                         </p:tgtEl>
                                         <p:attrNameLst>
                                           <p:attrName>style.visibility</p:attrName>
@@ -10171,60 +11610,186 @@
                                         <p:strVal val="visible"/>
                                       </p:to>
                                     </p:set>
-                                    <p:animEffect transition="in" filter="fade">
-                                      <p:cBhvr>
-                                        <p:cTn id="7" dur="500"/>
-                                        <p:tgtEl>
-                                          <p:spTgt spid="2"/>
-                                        </p:tgtEl>
-                                      </p:cBhvr>
-                                    </p:animEffect>
-                                    <p:anim calcmode="lin" valueType="num">
-                                      <p:cBhvr>
-                                        <p:cTn id="8" dur="500" fill="hold"/>
-                                        <p:tgtEl>
-                                          <p:spTgt spid="2"/>
-                                        </p:tgtEl>
-                                        <p:attrNameLst>
-                                          <p:attrName>ppt_x</p:attrName>
-                                        </p:attrNameLst>
-                                      </p:cBhvr>
-                                      <p:tavLst>
-                                        <p:tav tm="0">
-                                          <p:val>
-                                            <p:strVal val="#ppt_x-.1"/>
-                                          </p:val>
-                                        </p:tav>
-                                        <p:tav tm="100000">
-                                          <p:val>
-                                            <p:strVal val="#ppt_x"/>
-                                          </p:val>
-                                        </p:tav>
-                                      </p:tavLst>
-                                    </p:anim>
-                                    <p:anim calcmode="lin" valueType="num">
-                                      <p:cBhvr>
-                                        <p:cTn id="9" dur="500" fill="hold"/>
-                                        <p:tgtEl>
-                                          <p:spTgt spid="2"/>
-                                        </p:tgtEl>
-                                        <p:attrNameLst>
-                                          <p:attrName>ppt_y</p:attrName>
-                                        </p:attrNameLst>
-                                      </p:cBhvr>
-                                      <p:tavLst>
-                                        <p:tav tm="0">
-                                          <p:val>
-                                            <p:strVal val="#ppt_y"/>
-                                          </p:val>
-                                        </p:tav>
-                                        <p:tav tm="100000">
-                                          <p:val>
-                                            <p:strVal val="#ppt_y"/>
-                                          </p:val>
-                                        </p:tav>
-                                      </p:tavLst>
-                                    </p:anim>
+                                  </p:childTnLst>
+                                </p:cTn>
+                              </p:par>
+                            </p:childTnLst>
+                          </p:cTn>
+                        </p:par>
+                      </p:childTnLst>
+                    </p:cTn>
+                  </p:par>
+                  <p:par>
+                    <p:cTn id="7" fill="hold">
+                      <p:stCondLst>
+                        <p:cond delay="indefinite"/>
+                      </p:stCondLst>
+                      <p:childTnLst>
+                        <p:par>
+                          <p:cTn id="8" fill="hold">
+                            <p:stCondLst>
+                              <p:cond delay="0"/>
+                            </p:stCondLst>
+                            <p:childTnLst>
+                              <p:par>
+                                <p:cTn id="9" presetID="1" presetClass="entr" presetSubtype="0" fill="hold" nodeType="clickEffect">
+                                  <p:stCondLst>
+                                    <p:cond delay="0"/>
+                                  </p:stCondLst>
+                                  <p:childTnLst>
+                                    <p:set>
+                                      <p:cBhvr>
+                                        <p:cTn id="10" dur="1" fill="hold">
+                                          <p:stCondLst>
+                                            <p:cond delay="0"/>
+                                          </p:stCondLst>
+                                        </p:cTn>
+                                        <p:tgtEl>
+                                          <p:spTgt spid="13"/>
+                                        </p:tgtEl>
+                                        <p:attrNameLst>
+                                          <p:attrName>style.visibility</p:attrName>
+                                        </p:attrNameLst>
+                                      </p:cBhvr>
+                                      <p:to>
+                                        <p:strVal val="visible"/>
+                                      </p:to>
+                                    </p:set>
+                                  </p:childTnLst>
+                                </p:cTn>
+                              </p:par>
+                            </p:childTnLst>
+                          </p:cTn>
+                        </p:par>
+                      </p:childTnLst>
+                    </p:cTn>
+                  </p:par>
+                  <p:par>
+                    <p:cTn id="11" fill="hold">
+                      <p:stCondLst>
+                        <p:cond delay="indefinite"/>
+                      </p:stCondLst>
+                      <p:childTnLst>
+                        <p:par>
+                          <p:cTn id="12" fill="hold">
+                            <p:stCondLst>
+                              <p:cond delay="0"/>
+                            </p:stCondLst>
+                            <p:childTnLst>
+                              <p:par>
+                                <p:cTn id="13" presetID="1" presetClass="entr" presetSubtype="0" fill="hold" nodeType="clickEffect">
+                                  <p:stCondLst>
+                                    <p:cond delay="0"/>
+                                  </p:stCondLst>
+                                  <p:childTnLst>
+                                    <p:set>
+                                      <p:cBhvr>
+                                        <p:cTn id="14" dur="1" fill="hold">
+                                          <p:stCondLst>
+                                            <p:cond delay="0"/>
+                                          </p:stCondLst>
+                                        </p:cTn>
+                                        <p:tgtEl>
+                                          <p:spTgt spid="9"/>
+                                        </p:tgtEl>
+                                        <p:attrNameLst>
+                                          <p:attrName>style.visibility</p:attrName>
+                                        </p:attrNameLst>
+                                      </p:cBhvr>
+                                      <p:to>
+                                        <p:strVal val="visible"/>
+                                      </p:to>
+                                    </p:set>
+                                  </p:childTnLst>
+                                </p:cTn>
+                              </p:par>
+                            </p:childTnLst>
+                          </p:cTn>
+                        </p:par>
+                      </p:childTnLst>
+                    </p:cTn>
+                  </p:par>
+                  <p:par>
+                    <p:cTn id="15" fill="hold">
+                      <p:stCondLst>
+                        <p:cond delay="indefinite"/>
+                      </p:stCondLst>
+                      <p:childTnLst>
+                        <p:par>
+                          <p:cTn id="16" fill="hold">
+                            <p:stCondLst>
+                              <p:cond delay="0"/>
+                            </p:stCondLst>
+                            <p:childTnLst>
+                              <p:par>
+                                <p:cTn id="17" presetID="1" presetClass="entr" presetSubtype="0" fill="hold" nodeType="clickEffect">
+                                  <p:stCondLst>
+                                    <p:cond delay="0"/>
+                                  </p:stCondLst>
+                                  <p:childTnLst>
+                                    <p:set>
+                                      <p:cBhvr>
+                                        <p:cTn id="18" dur="1" fill="hold">
+                                          <p:stCondLst>
+                                            <p:cond delay="0"/>
+                                          </p:stCondLst>
+                                        </p:cTn>
+                                        <p:tgtEl>
+                                          <p:spTgt spid="8"/>
+                                        </p:tgtEl>
+                                        <p:attrNameLst>
+                                          <p:attrName>style.visibility</p:attrName>
+                                        </p:attrNameLst>
+                                      </p:cBhvr>
+                                      <p:to>
+                                        <p:strVal val="visible"/>
+                                      </p:to>
+                                    </p:set>
+                                  </p:childTnLst>
+                                </p:cTn>
+                              </p:par>
+                            </p:childTnLst>
+                          </p:cTn>
+                        </p:par>
+                      </p:childTnLst>
+                    </p:cTn>
+                  </p:par>
+                  <p:par>
+                    <p:cTn id="19" fill="hold">
+                      <p:stCondLst>
+                        <p:cond delay="indefinite"/>
+                      </p:stCondLst>
+                      <p:childTnLst>
+                        <p:par>
+                          <p:cTn id="20" fill="hold">
+                            <p:stCondLst>
+                              <p:cond delay="0"/>
+                            </p:stCondLst>
+                            <p:childTnLst>
+                              <p:par>
+                                <p:cTn id="21" presetID="1" presetClass="entr" presetSubtype="0" fill="hold" nodeType="clickEffect">
+                                  <p:stCondLst>
+                                    <p:cond delay="0"/>
+                                  </p:stCondLst>
+                                  <p:childTnLst>
+                                    <p:set>
+                                      <p:cBhvr>
+                                        <p:cTn id="22" dur="1" fill="hold">
+                                          <p:stCondLst>
+                                            <p:cond delay="0"/>
+                                          </p:stCondLst>
+                                        </p:cTn>
+                                        <p:tgtEl>
+                                          <p:spTgt spid="7"/>
+                                        </p:tgtEl>
+                                        <p:attrNameLst>
+                                          <p:attrName>style.visibility</p:attrName>
+                                        </p:attrNameLst>
+                                      </p:cBhvr>
+                                      <p:to>
+                                        <p:strVal val="visible"/>
+                                      </p:to>
+                                    </p:set>
                                   </p:childTnLst>
                                 </p:cTn>
                               </p:par>
@@ -10255,9 +11820,6 @@
         </p:cTn>
       </p:par>
     </p:tnLst>
-    <p:bldLst>
-      <p:bldP spid="2" grpId="0"/>
-    </p:bldLst>
   </p:timing>
 </p:sld>
 </file>
@@ -10539,7 +12101,282 @@
       </a:bgFillStyleLst>
     </a:fmtScheme>
   </a:themeElements>
+  <a:objectDefaults>
+    <a:txDef>
+      <a:spPr>
+        <a:noFill/>
+      </a:spPr>
+      <a:bodyPr wrap="square" rtlCol="0">
+        <a:spAutoFit/>
+      </a:bodyPr>
+      <a:lstStyle>
+        <a:defPPr>
+          <a:defRPr dirty="0"/>
+        </a:defPPr>
+      </a:lstStyle>
+    </a:txDef>
+  </a:objectDefaults>
+  <a:extraClrSchemeLst/>
+</a:theme>
+</file>
+
+<file path=ppt/theme/theme2.xml><?xml version="1.0" encoding="utf-8"?>
+<a:theme xmlns:a="http://schemas.openxmlformats.org/drawingml/2006/main" name="Office 테마">
+  <a:themeElements>
+    <a:clrScheme name="Office">
+      <a:dk1>
+        <a:sysClr val="windowText" lastClr="000000"/>
+      </a:dk1>
+      <a:lt1>
+        <a:sysClr val="window" lastClr="FFFFFF"/>
+      </a:lt1>
+      <a:dk2>
+        <a:srgbClr val="44546A"/>
+      </a:dk2>
+      <a:lt2>
+        <a:srgbClr val="E7E6E6"/>
+      </a:lt2>
+      <a:accent1>
+        <a:srgbClr val="5B9BD5"/>
+      </a:accent1>
+      <a:accent2>
+        <a:srgbClr val="ED7D31"/>
+      </a:accent2>
+      <a:accent3>
+        <a:srgbClr val="A5A5A5"/>
+      </a:accent3>
+      <a:accent4>
+        <a:srgbClr val="FFC000"/>
+      </a:accent4>
+      <a:accent5>
+        <a:srgbClr val="4472C4"/>
+      </a:accent5>
+      <a:accent6>
+        <a:srgbClr val="70AD47"/>
+      </a:accent6>
+      <a:hlink>
+        <a:srgbClr val="0563C1"/>
+      </a:hlink>
+      <a:folHlink>
+        <a:srgbClr val="954F72"/>
+      </a:folHlink>
+    </a:clrScheme>
+    <a:fontScheme name="Office">
+      <a:majorFont>
+        <a:latin typeface="맑은 고딕" panose="020F0302020204030204"/>
+        <a:ea typeface=""/>
+        <a:cs typeface=""/>
+        <a:font script="Jpan" typeface="ＭＳ Ｐゴシック"/>
+        <a:font script="Hang" typeface="맑은 고딕"/>
+        <a:font script="Hans" typeface="宋体"/>
+        <a:font script="Hant" typeface="新細明體"/>
+        <a:font script="Arab" typeface="Times New Roman"/>
+        <a:font script="Hebr" typeface="Times New Roman"/>
+        <a:font script="Thai" typeface="Angsana New"/>
+        <a:font script="Ethi" typeface="Nyala"/>
+        <a:font script="Beng" typeface="Vrinda"/>
+        <a:font script="Gujr" typeface="Shruti"/>
+        <a:font script="Khmr" typeface="MoolBoran"/>
+        <a:font script="Knda" typeface="Tunga"/>
+        <a:font script="Guru" typeface="Raavi"/>
+        <a:font script="Cans" typeface="Euphemia"/>
+        <a:font script="Cher" typeface="Plantagenet Cherokee"/>
+        <a:font script="Yiii" typeface="Microsoft Yi Baiti"/>
+        <a:font script="Tibt" typeface="Microsoft Himalaya"/>
+        <a:font script="Thaa" typeface="MV Boli"/>
+        <a:font script="Deva" typeface="Mangal"/>
+        <a:font script="Telu" typeface="Gautami"/>
+        <a:font script="Taml" typeface="Latha"/>
+        <a:font script="Syrc" typeface="Estrangelo Edessa"/>
+        <a:font script="Orya" typeface="Kalinga"/>
+        <a:font script="Mlym" typeface="Kartika"/>
+        <a:font script="Laoo" typeface="DokChampa"/>
+        <a:font script="Sinh" typeface="Iskoola Pota"/>
+        <a:font script="Mong" typeface="Mongolian Baiti"/>
+        <a:font script="Viet" typeface="Times New Roman"/>
+        <a:font script="Uigh" typeface="Microsoft Uighur"/>
+        <a:font script="Geor" typeface="Sylfaen"/>
+      </a:majorFont>
+      <a:minorFont>
+        <a:latin typeface="맑은 고딕" panose="020F0502020204030204"/>
+        <a:ea typeface=""/>
+        <a:cs typeface=""/>
+        <a:font script="Jpan" typeface="ＭＳ Ｐゴシック"/>
+        <a:font script="Hang" typeface="맑은 고딕"/>
+        <a:font script="Hans" typeface="宋体"/>
+        <a:font script="Hant" typeface="新細明體"/>
+        <a:font script="Arab" typeface="Arial"/>
+        <a:font script="Hebr" typeface="Arial"/>
+        <a:font script="Thai" typeface="Cordia New"/>
+        <a:font script="Ethi" typeface="Nyala"/>
+        <a:font script="Beng" typeface="Vrinda"/>
+        <a:font script="Gujr" typeface="Shruti"/>
+        <a:font script="Khmr" typeface="DaunPenh"/>
+        <a:font script="Knda" typeface="Tunga"/>
+        <a:font script="Guru" typeface="Raavi"/>
+        <a:font script="Cans" typeface="Euphemia"/>
+        <a:font script="Cher" typeface="Plantagenet Cherokee"/>
+        <a:font script="Yiii" typeface="Microsoft Yi Baiti"/>
+        <a:font script="Tibt" typeface="Microsoft Himalaya"/>
+        <a:font script="Thaa" typeface="MV Boli"/>
+        <a:font script="Deva" typeface="Mangal"/>
+        <a:font script="Telu" typeface="Gautami"/>
+        <a:font script="Taml" typeface="Latha"/>
+        <a:font script="Syrc" typeface="Estrangelo Edessa"/>
+        <a:font script="Orya" typeface="Kalinga"/>
+        <a:font script="Mlym" typeface="Kartika"/>
+        <a:font script="Laoo" typeface="DokChampa"/>
+        <a:font script="Sinh" typeface="Iskoola Pota"/>
+        <a:font script="Mong" typeface="Mongolian Baiti"/>
+        <a:font script="Viet" typeface="Arial"/>
+        <a:font script="Uigh" typeface="Microsoft Uighur"/>
+        <a:font script="Geor" typeface="Sylfaen"/>
+      </a:minorFont>
+    </a:fontScheme>
+    <a:fmtScheme name="Office">
+      <a:fillStyleLst>
+        <a:solidFill>
+          <a:schemeClr val="phClr"/>
+        </a:solidFill>
+        <a:gradFill rotWithShape="1">
+          <a:gsLst>
+            <a:gs pos="0">
+              <a:schemeClr val="phClr">
+                <a:lumMod val="110000"/>
+                <a:satMod val="105000"/>
+                <a:tint val="67000"/>
+              </a:schemeClr>
+            </a:gs>
+            <a:gs pos="50000">
+              <a:schemeClr val="phClr">
+                <a:lumMod val="105000"/>
+                <a:satMod val="103000"/>
+                <a:tint val="73000"/>
+              </a:schemeClr>
+            </a:gs>
+            <a:gs pos="100000">
+              <a:schemeClr val="phClr">
+                <a:lumMod val="105000"/>
+                <a:satMod val="109000"/>
+                <a:tint val="81000"/>
+              </a:schemeClr>
+            </a:gs>
+          </a:gsLst>
+          <a:lin ang="5400000" scaled="0"/>
+        </a:gradFill>
+        <a:gradFill rotWithShape="1">
+          <a:gsLst>
+            <a:gs pos="0">
+              <a:schemeClr val="phClr">
+                <a:satMod val="103000"/>
+                <a:lumMod val="102000"/>
+                <a:tint val="94000"/>
+              </a:schemeClr>
+            </a:gs>
+            <a:gs pos="50000">
+              <a:schemeClr val="phClr">
+                <a:satMod val="110000"/>
+                <a:lumMod val="100000"/>
+                <a:shade val="100000"/>
+              </a:schemeClr>
+            </a:gs>
+            <a:gs pos="100000">
+              <a:schemeClr val="phClr">
+                <a:lumMod val="99000"/>
+                <a:satMod val="120000"/>
+                <a:shade val="78000"/>
+              </a:schemeClr>
+            </a:gs>
+          </a:gsLst>
+          <a:lin ang="5400000" scaled="0"/>
+        </a:gradFill>
+      </a:fillStyleLst>
+      <a:lnStyleLst>
+        <a:ln w="6350" cap="flat" cmpd="sng" algn="ctr">
+          <a:solidFill>
+            <a:schemeClr val="phClr"/>
+          </a:solidFill>
+          <a:prstDash val="solid"/>
+          <a:miter lim="800000"/>
+        </a:ln>
+        <a:ln w="12700" cap="flat" cmpd="sng" algn="ctr">
+          <a:solidFill>
+            <a:schemeClr val="phClr"/>
+          </a:solidFill>
+          <a:prstDash val="solid"/>
+          <a:miter lim="800000"/>
+        </a:ln>
+        <a:ln w="19050" cap="flat" cmpd="sng" algn="ctr">
+          <a:solidFill>
+            <a:schemeClr val="phClr"/>
+          </a:solidFill>
+          <a:prstDash val="solid"/>
+          <a:miter lim="800000"/>
+        </a:ln>
+      </a:lnStyleLst>
+      <a:effectStyleLst>
+        <a:effectStyle>
+          <a:effectLst/>
+        </a:effectStyle>
+        <a:effectStyle>
+          <a:effectLst/>
+        </a:effectStyle>
+        <a:effectStyle>
+          <a:effectLst>
+            <a:outerShdw blurRad="57150" dist="19050" dir="5400000" algn="ctr" rotWithShape="0">
+              <a:srgbClr val="000000">
+                <a:alpha val="63000"/>
+              </a:srgbClr>
+            </a:outerShdw>
+          </a:effectLst>
+        </a:effectStyle>
+      </a:effectStyleLst>
+      <a:bgFillStyleLst>
+        <a:solidFill>
+          <a:schemeClr val="phClr"/>
+        </a:solidFill>
+        <a:solidFill>
+          <a:schemeClr val="phClr">
+            <a:tint val="95000"/>
+            <a:satMod val="170000"/>
+          </a:schemeClr>
+        </a:solidFill>
+        <a:gradFill rotWithShape="1">
+          <a:gsLst>
+            <a:gs pos="0">
+              <a:schemeClr val="phClr">
+                <a:tint val="93000"/>
+                <a:satMod val="150000"/>
+                <a:shade val="98000"/>
+                <a:lumMod val="102000"/>
+              </a:schemeClr>
+            </a:gs>
+            <a:gs pos="50000">
+              <a:schemeClr val="phClr">
+                <a:tint val="98000"/>
+                <a:satMod val="130000"/>
+                <a:shade val="90000"/>
+                <a:lumMod val="103000"/>
+              </a:schemeClr>
+            </a:gs>
+            <a:gs pos="100000">
+              <a:schemeClr val="phClr">
+                <a:shade val="63000"/>
+                <a:satMod val="120000"/>
+              </a:schemeClr>
+            </a:gs>
+          </a:gsLst>
+          <a:lin ang="5400000" scaled="0"/>
+        </a:gradFill>
+      </a:bgFillStyleLst>
+    </a:fmtScheme>
+  </a:themeElements>
   <a:objectDefaults/>
   <a:extraClrSchemeLst/>
+  <a:extLst>
+    <a:ext uri="{05A4C25C-085E-4340-85A3-A5531E510DB2}">
+      <thm15:themeFamily xmlns:thm15="http://schemas.microsoft.com/office/thememl/2012/main" name="Office Theme" id="{62F939B6-93AF-4DB8-9C6B-D6C7DFDC589F}" vid="{4A3C46E8-61CC-4603-A589-7422A47A8E4A}"/>
+    </a:ext>
+  </a:extLst>
 </a:theme>
 </file>